--- a/Customers Segmentation based on their Credit Card usage.pptx
+++ b/Customers Segmentation based on their Credit Card usage.pptx
@@ -3241,22 +3241,6 @@
             <a:buNone/>
           </a:pPr>
           <a:r>
-            <a:rPr lang="en-US" sz="1600" kern="1200" dirty="0" err="1">
-              <a:solidFill>
-                <a:prstClr val="black">
-                  <a:hueOff val="0"/>
-                  <a:satOff val="0"/>
-                  <a:lumOff val="0"/>
-                  <a:alphaOff val="0"/>
-                </a:prstClr>
-              </a:solidFill>
-              <a:latin typeface="Calibri" panose="020F0502020204030204"/>
-              <a:ea typeface="+mn-ea"/>
-              <a:cs typeface="+mn-cs"/>
-            </a:rPr>
-            <a:t>Kmeans</a:t>
-          </a:r>
-          <a:r>
             <a:rPr lang="en-US" sz="1600" kern="1200" dirty="0">
               <a:solidFill>
                 <a:prstClr val="black">
@@ -3270,7 +3254,7 @@
               <a:ea typeface="+mn-ea"/>
               <a:cs typeface="+mn-cs"/>
             </a:rPr>
-            <a:t> Clustering</a:t>
+            <a:t>Kmeans Clustering</a:t>
           </a:r>
         </a:p>
       </dgm:t>
@@ -3785,7 +3769,7 @@
       <dgm:spPr/>
     </dgm:pt>
     <dgm:pt modelId="{154968A2-83E2-46D2-BA6A-8BF3AB00AEC4}" type="pres">
-      <dgm:prSet presAssocID="{B2DC0A7A-5458-4642-8361-B6B7F1A5F059}" presName="parentText" presStyleLbl="node1" presStyleIdx="6" presStyleCnt="7" custLinFactNeighborX="-12882" custLinFactNeighborY="-9178">
+      <dgm:prSet presAssocID="{B2DC0A7A-5458-4642-8361-B6B7F1A5F059}" presName="parentText" presStyleLbl="node1" presStyleIdx="6" presStyleCnt="7" custLinFactNeighborX="2238" custLinFactNeighborY="-9178">
         <dgm:presLayoutVars>
           <dgm:chMax val="0"/>
           <dgm:bulletEnabled val="1"/>
@@ -3916,13 +3900,13 @@
         <a:bodyPr/>
         <a:lstStyle/>
         <a:p>
-          <a:pPr>
+          <a:pPr algn="ctr">
             <a:lnSpc>
               <a:spcPct val="100000"/>
             </a:lnSpc>
           </a:pPr>
           <a:r>
-            <a:rPr lang="en-US" sz="3200" dirty="0">
+            <a:rPr lang="en-US" sz="2800" dirty="0">
               <a:latin typeface="+mn-lt"/>
             </a:rPr>
             <a:t>Filling Missing Values</a:t>
@@ -3949,7 +3933,7 @@
         <a:lstStyle/>
         <a:p>
           <a:r>
-            <a:rPr lang="en-US"/>
+            <a:rPr lang="en-US" dirty="0"/>
             <a:t>1</a:t>
           </a:r>
         </a:p>
@@ -3962,7 +3946,7 @@
         <a:bodyPr/>
         <a:lstStyle/>
         <a:p>
-          <a:pPr>
+          <a:pPr algn="ctr">
             <a:lnSpc>
               <a:spcPct val="100000"/>
             </a:lnSpc>
@@ -3971,17 +3955,8 @@
             <a:rPr lang="en-US" sz="2800" dirty="0">
               <a:latin typeface="+mn-lt"/>
             </a:rPr>
-            <a:t>Removing Outlier By </a:t>
+            <a:t>Removing Outlier By Zscore</a:t>
           </a:r>
-          <a:r>
-            <a:rPr lang="en-US" sz="2800" dirty="0" err="1">
-              <a:latin typeface="+mn-lt"/>
-            </a:rPr>
-            <a:t>Zscore</a:t>
-          </a:r>
-          <a:endParaRPr lang="en-US" sz="2800" dirty="0">
-            <a:latin typeface="+mn-lt"/>
-          </a:endParaRPr>
         </a:p>
       </dgm:t>
     </dgm:pt>
@@ -4004,27 +3979,27 @@
         <a:lstStyle/>
         <a:p>
           <a:r>
-            <a:rPr lang="en-US"/>
+            <a:rPr lang="en-US" dirty="0"/>
             <a:t>2</a:t>
           </a:r>
         </a:p>
       </dgm:t>
     </dgm:pt>
     <dgm:pt modelId="{19DAC9D4-9036-458A-AED3-6B6397148B41}">
-      <dgm:prSet/>
+      <dgm:prSet custT="1"/>
       <dgm:spPr/>
       <dgm:t>
         <a:bodyPr/>
         <a:lstStyle/>
         <a:p>
-          <a:pPr>
+          <a:pPr algn="ctr">
             <a:lnSpc>
               <a:spcPct val="100000"/>
             </a:lnSpc>
           </a:pPr>
           <a:r>
-            <a:rPr lang="en-US" dirty="0"/>
-            <a:t>Preparing Dataset by using Standardize </a:t>
+            <a:rPr lang="en-US" sz="2800" dirty="0"/>
+            <a:t>Preparing Dataset Using Standardize </a:t>
           </a:r>
         </a:p>
       </dgm:t>
@@ -4048,7 +4023,7 @@
         <a:lstStyle/>
         <a:p>
           <a:r>
-            <a:rPr lang="en-US"/>
+            <a:rPr lang="en-US" dirty="0"/>
             <a:t>3</a:t>
           </a:r>
         </a:p>
@@ -4282,7 +4257,7 @@
             <a:rPr lang="en-US" sz="2400" dirty="0">
               <a:latin typeface="+mn-lt"/>
             </a:rPr>
-            <a:t>In PCA time elapsed is much less than TSNE and UMAP. Also, UMAP time elapsed is much less than TSNE.</a:t>
+            <a:t>In PCA, time elapsed is much less than TSNE and UMAP. Also UMAP time elapsed is much less than TSNE.</a:t>
           </a:r>
         </a:p>
       </dgm:t>
@@ -4320,7 +4295,7 @@
             <a:rPr lang="en-US" dirty="0">
               <a:latin typeface="+mn-lt"/>
             </a:rPr>
-            <a:t>In UMAP we can identify classes quite well in contrast to TSNE and PCA representation.</a:t>
+            <a:t>In UMAP we can identify classes quite well in contrast to TSNE and PCA representations.</a:t>
           </a:r>
         </a:p>
       </dgm:t>
@@ -5256,22 +5231,6 @@
             <a:buNone/>
           </a:pPr>
           <a:r>
-            <a:rPr lang="en-US" sz="1600" kern="1200" dirty="0" err="1">
-              <a:solidFill>
-                <a:prstClr val="black">
-                  <a:hueOff val="0"/>
-                  <a:satOff val="0"/>
-                  <a:lumOff val="0"/>
-                  <a:alphaOff val="0"/>
-                </a:prstClr>
-              </a:solidFill>
-              <a:latin typeface="Calibri" panose="020F0502020204030204"/>
-              <a:ea typeface="+mn-ea"/>
-              <a:cs typeface="+mn-cs"/>
-            </a:rPr>
-            <a:t>Kmeans</a:t>
-          </a:r>
-          <a:r>
             <a:rPr lang="en-US" sz="1600" kern="1200" dirty="0">
               <a:solidFill>
                 <a:prstClr val="black">
@@ -5285,7 +5244,7 @@
               <a:ea typeface="+mn-ea"/>
               <a:cs typeface="+mn-cs"/>
             </a:rPr>
-            <a:t> Clustering</a:t>
+            <a:t>Kmeans Clustering</a:t>
           </a:r>
         </a:p>
         <a:p>
@@ -5652,7 +5611,7 @@
       </dsp:nvSpPr>
       <dsp:spPr>
         <a:xfrm>
-          <a:off x="458049" y="3962256"/>
+          <a:off x="537546" y="3962256"/>
           <a:ext cx="7360920" cy="206640"/>
         </a:xfrm>
         <a:prstGeom prst="roundRect">
@@ -5729,7 +5688,7 @@
         </a:p>
       </dsp:txBody>
       <dsp:txXfrm>
-        <a:off x="468136" y="3972343"/>
+        <a:off x="547633" y="3972343"/>
         <a:ext cx="7340746" cy="186466"/>
       </dsp:txXfrm>
     </dsp:sp>
@@ -5802,7 +5761,7 @@
         </a:bodyPr>
         <a:lstStyle/>
         <a:p>
-          <a:pPr marL="0" lvl="0" indent="0" algn="l" defTabSz="1422400">
+          <a:pPr marL="0" lvl="0" indent="0" algn="ctr" defTabSz="1244600">
             <a:lnSpc>
               <a:spcPct val="100000"/>
             </a:lnSpc>
@@ -5815,7 +5774,7 @@
             <a:buNone/>
           </a:pPr>
           <a:r>
-            <a:rPr lang="en-US" sz="3200" kern="1200" dirty="0">
+            <a:rPr lang="en-US" sz="2800" kern="1200" dirty="0">
               <a:latin typeface="+mn-lt"/>
             </a:rPr>
             <a:t>Filling Missing Values</a:t>
@@ -5895,7 +5854,7 @@
             <a:buNone/>
           </a:pPr>
           <a:r>
-            <a:rPr lang="en-US" sz="4800" kern="1200"/>
+            <a:rPr lang="en-US" sz="4800" kern="1200" dirty="0"/>
             <a:t>1</a:t>
           </a:r>
         </a:p>
@@ -6012,7 +5971,7 @@
         </a:bodyPr>
         <a:lstStyle/>
         <a:p>
-          <a:pPr marL="0" lvl="0" indent="0" algn="l" defTabSz="1244600">
+          <a:pPr marL="0" lvl="0" indent="0" algn="ctr" defTabSz="1244600">
             <a:lnSpc>
               <a:spcPct val="100000"/>
             </a:lnSpc>
@@ -6028,17 +5987,8 @@
             <a:rPr lang="en-US" sz="2800" kern="1200" dirty="0">
               <a:latin typeface="+mn-lt"/>
             </a:rPr>
-            <a:t>Removing Outlier By </a:t>
+            <a:t>Removing Outlier By Zscore</a:t>
           </a:r>
-          <a:r>
-            <a:rPr lang="en-US" sz="2800" kern="1200" dirty="0" err="1">
-              <a:latin typeface="+mn-lt"/>
-            </a:rPr>
-            <a:t>Zscore</a:t>
-          </a:r>
-          <a:endParaRPr lang="en-US" sz="2800" kern="1200" dirty="0">
-            <a:latin typeface="+mn-lt"/>
-          </a:endParaRPr>
         </a:p>
       </dsp:txBody>
       <dsp:txXfrm>
@@ -6114,7 +6064,7 @@
             <a:buNone/>
           </a:pPr>
           <a:r>
-            <a:rPr lang="en-US" sz="4800" kern="1200"/>
+            <a:rPr lang="en-US" sz="4800" kern="1200" dirty="0"/>
             <a:t>2</a:t>
           </a:r>
         </a:p>
@@ -6231,7 +6181,7 @@
         </a:bodyPr>
         <a:lstStyle/>
         <a:p>
-          <a:pPr marL="0" lvl="0" indent="0" algn="l" defTabSz="1155700">
+          <a:pPr marL="0" lvl="0" indent="0" algn="ctr" defTabSz="1244600">
             <a:lnSpc>
               <a:spcPct val="100000"/>
             </a:lnSpc>
@@ -6244,8 +6194,8 @@
             <a:buNone/>
           </a:pPr>
           <a:r>
-            <a:rPr lang="en-US" sz="2600" kern="1200" dirty="0"/>
-            <a:t>Preparing Dataset by using Standardize </a:t>
+            <a:rPr lang="en-US" sz="2800" kern="1200" dirty="0"/>
+            <a:t>Preparing Dataset Using Standardize </a:t>
           </a:r>
         </a:p>
       </dsp:txBody>
@@ -6322,7 +6272,7 @@
             <a:buNone/>
           </a:pPr>
           <a:r>
-            <a:rPr lang="en-US" sz="4800" kern="1200"/>
+            <a:rPr lang="en-US" sz="4800" kern="1200" dirty="0"/>
             <a:t>3</a:t>
           </a:r>
         </a:p>
@@ -6401,8 +6351,8 @@
       </dsp:nvSpPr>
       <dsp:spPr>
         <a:xfrm>
-          <a:off x="0" y="5071"/>
-          <a:ext cx="6572250" cy="1599039"/>
+          <a:off x="0" y="682"/>
+          <a:ext cx="6871804" cy="1596181"/>
         </a:xfrm>
         <a:prstGeom prst="roundRect">
           <a:avLst>
@@ -6442,8 +6392,8 @@
       </dsp:nvSpPr>
       <dsp:spPr>
         <a:xfrm>
-          <a:off x="483709" y="364854"/>
-          <a:ext cx="880331" cy="879471"/>
+          <a:off x="482844" y="359822"/>
+          <a:ext cx="877899" cy="877899"/>
         </a:xfrm>
         <a:prstGeom prst="rect">
           <a:avLst/>
@@ -6492,8 +6442,8 @@
       </dsp:nvSpPr>
       <dsp:spPr>
         <a:xfrm>
-          <a:off x="1847750" y="5071"/>
-          <a:ext cx="4652105" cy="1600602"/>
+          <a:off x="1843589" y="682"/>
+          <a:ext cx="5028214" cy="1596181"/>
         </a:xfrm>
         <a:prstGeom prst="rect">
           <a:avLst/>
@@ -6517,7 +6467,7 @@
         <a:fontRef idx="minor"/>
       </dsp:style>
       <dsp:txBody>
-        <a:bodyPr spcFirstLastPara="0" vert="horz" wrap="square" lIns="169397" tIns="169397" rIns="169397" bIns="169397" numCol="1" spcCol="1270" anchor="ctr" anchorCtr="0">
+        <a:bodyPr spcFirstLastPara="0" vert="horz" wrap="square" lIns="168929" tIns="168929" rIns="168929" bIns="168929" numCol="1" spcCol="1270" anchor="ctr" anchorCtr="0">
           <a:noAutofit/>
         </a:bodyPr>
         <a:lstStyle/>
@@ -6543,8 +6493,8 @@
         </a:p>
       </dsp:txBody>
       <dsp:txXfrm>
-        <a:off x="1847750" y="5071"/>
-        <a:ext cx="4652105" cy="1600602"/>
+        <a:off x="1843589" y="682"/>
+        <a:ext cx="5028214" cy="1596181"/>
       </dsp:txXfrm>
     </dsp:sp>
     <dsp:sp modelId="{CEDC2499-7390-4C61-A432-B4157A2A34F0}">
@@ -6554,8 +6504,8 @@
       </dsp:nvSpPr>
       <dsp:spPr>
         <a:xfrm>
-          <a:off x="0" y="1993698"/>
-          <a:ext cx="6572250" cy="1599039"/>
+          <a:off x="0" y="1995909"/>
+          <a:ext cx="6871804" cy="1596181"/>
         </a:xfrm>
         <a:prstGeom prst="roundRect">
           <a:avLst>
@@ -6595,8 +6545,8 @@
       </dsp:nvSpPr>
       <dsp:spPr>
         <a:xfrm>
-          <a:off x="483709" y="2353482"/>
-          <a:ext cx="880331" cy="879471"/>
+          <a:off x="482844" y="2355050"/>
+          <a:ext cx="877899" cy="877899"/>
         </a:xfrm>
         <a:prstGeom prst="rect">
           <a:avLst/>
@@ -6645,8 +6595,8 @@
       </dsp:nvSpPr>
       <dsp:spPr>
         <a:xfrm>
-          <a:off x="1847750" y="1993698"/>
-          <a:ext cx="4652105" cy="1600602"/>
+          <a:off x="1843589" y="1995909"/>
+          <a:ext cx="5028214" cy="1596181"/>
         </a:xfrm>
         <a:prstGeom prst="rect">
           <a:avLst/>
@@ -6670,7 +6620,7 @@
         <a:fontRef idx="minor"/>
       </dsp:style>
       <dsp:txBody>
-        <a:bodyPr spcFirstLastPara="0" vert="horz" wrap="square" lIns="169397" tIns="169397" rIns="169397" bIns="169397" numCol="1" spcCol="1270" anchor="ctr" anchorCtr="0">
+        <a:bodyPr spcFirstLastPara="0" vert="horz" wrap="square" lIns="168929" tIns="168929" rIns="168929" bIns="168929" numCol="1" spcCol="1270" anchor="ctr" anchorCtr="0">
           <a:noAutofit/>
         </a:bodyPr>
         <a:lstStyle/>
@@ -6691,13 +6641,13 @@
             <a:rPr lang="en-US" sz="2400" kern="1200" dirty="0">
               <a:latin typeface="+mn-lt"/>
             </a:rPr>
-            <a:t>In PCA time elapsed is much less than TSNE and UMAP. Also, UMAP time elapsed is much less than TSNE.</a:t>
+            <a:t>In PCA, time elapsed is much less than TSNE and UMAP. Also UMAP time elapsed is much less than TSNE.</a:t>
           </a:r>
         </a:p>
       </dsp:txBody>
       <dsp:txXfrm>
-        <a:off x="1847750" y="1993698"/>
-        <a:ext cx="4652105" cy="1600602"/>
+        <a:off x="1843589" y="1995909"/>
+        <a:ext cx="5028214" cy="1596181"/>
       </dsp:txXfrm>
     </dsp:sp>
     <dsp:sp modelId="{65C9ADB2-E0EB-4CB3-983E-82174C638255}">
@@ -6707,8 +6657,8 @@
       </dsp:nvSpPr>
       <dsp:spPr>
         <a:xfrm>
-          <a:off x="0" y="3982326"/>
-          <a:ext cx="6572250" cy="1599039"/>
+          <a:off x="0" y="3991136"/>
+          <a:ext cx="6871804" cy="1596181"/>
         </a:xfrm>
         <a:prstGeom prst="roundRect">
           <a:avLst>
@@ -6748,8 +6698,8 @@
       </dsp:nvSpPr>
       <dsp:spPr>
         <a:xfrm>
-          <a:off x="483709" y="4342110"/>
-          <a:ext cx="880331" cy="879471"/>
+          <a:off x="482844" y="4350277"/>
+          <a:ext cx="877899" cy="877899"/>
         </a:xfrm>
         <a:prstGeom prst="rect">
           <a:avLst/>
@@ -6798,8 +6748,8 @@
       </dsp:nvSpPr>
       <dsp:spPr>
         <a:xfrm>
-          <a:off x="1847750" y="3982326"/>
-          <a:ext cx="4652105" cy="1600602"/>
+          <a:off x="1843589" y="3991136"/>
+          <a:ext cx="5028214" cy="1596181"/>
         </a:xfrm>
         <a:prstGeom prst="rect">
           <a:avLst/>
@@ -6823,7 +6773,7 @@
         <a:fontRef idx="minor"/>
       </dsp:style>
       <dsp:txBody>
-        <a:bodyPr spcFirstLastPara="0" vert="horz" wrap="square" lIns="169397" tIns="169397" rIns="169397" bIns="169397" numCol="1" spcCol="1270" anchor="ctr" anchorCtr="0">
+        <a:bodyPr spcFirstLastPara="0" vert="horz" wrap="square" lIns="168929" tIns="168929" rIns="168929" bIns="168929" numCol="1" spcCol="1270" anchor="ctr" anchorCtr="0">
           <a:noAutofit/>
         </a:bodyPr>
         <a:lstStyle/>
@@ -6844,13 +6794,13 @@
             <a:rPr lang="en-US" sz="2500" kern="1200" dirty="0">
               <a:latin typeface="+mn-lt"/>
             </a:rPr>
-            <a:t>In UMAP we can identify classes quite well in contrast to TSNE and PCA representation.</a:t>
+            <a:t>In UMAP we can identify classes quite well in contrast to TSNE and PCA representations.</a:t>
           </a:r>
         </a:p>
       </dsp:txBody>
       <dsp:txXfrm>
-        <a:off x="1847750" y="3982326"/>
-        <a:ext cx="4652105" cy="1600602"/>
+        <a:off x="1843589" y="3991136"/>
+        <a:ext cx="5028214" cy="1596181"/>
       </dsp:txXfrm>
     </dsp:sp>
   </dsp:spTree>
@@ -10888,7 +10838,7 @@
               <a:rPr lang="en-US" smtClean="0"/>
               <a:t>3/17/2020</a:t>
             </a:fld>
-            <a:endParaRPr lang="en-US"/>
+            <a:endParaRPr lang="en-US" dirty="0"/>
           </a:p>
         </p:txBody>
       </p:sp>
@@ -10907,7 +10857,7 @@
           <a:bodyPr/>
           <a:lstStyle/>
           <a:p>
-            <a:endParaRPr lang="en-US"/>
+            <a:endParaRPr lang="en-US" dirty="0"/>
           </a:p>
         </p:txBody>
       </p:sp>
@@ -10930,7 +10880,7 @@
               <a:rPr lang="en-US" smtClean="0"/>
               <a:t>‹#›</a:t>
             </a:fld>
-            <a:endParaRPr lang="en-US"/>
+            <a:endParaRPr lang="en-US" dirty="0"/>
           </a:p>
         </p:txBody>
       </p:sp>
@@ -11063,7 +11013,7 @@
               <a:rPr lang="en-US" smtClean="0"/>
               <a:t>3/17/2020</a:t>
             </a:fld>
-            <a:endParaRPr lang="en-US"/>
+            <a:endParaRPr lang="en-US" dirty="0"/>
           </a:p>
         </p:txBody>
       </p:sp>
@@ -11082,7 +11032,7 @@
           <a:bodyPr/>
           <a:lstStyle/>
           <a:p>
-            <a:endParaRPr lang="en-US"/>
+            <a:endParaRPr lang="en-US" dirty="0"/>
           </a:p>
         </p:txBody>
       </p:sp>
@@ -11105,7 +11055,7 @@
               <a:rPr lang="en-US" smtClean="0"/>
               <a:t>‹#›</a:t>
             </a:fld>
-            <a:endParaRPr lang="en-US"/>
+            <a:endParaRPr lang="en-US" dirty="0"/>
           </a:p>
         </p:txBody>
       </p:sp>
@@ -11243,7 +11193,7 @@
               <a:rPr lang="en-US" smtClean="0"/>
               <a:t>3/17/2020</a:t>
             </a:fld>
-            <a:endParaRPr lang="en-US"/>
+            <a:endParaRPr lang="en-US" dirty="0"/>
           </a:p>
         </p:txBody>
       </p:sp>
@@ -11262,7 +11212,7 @@
           <a:bodyPr/>
           <a:lstStyle/>
           <a:p>
-            <a:endParaRPr lang="en-US"/>
+            <a:endParaRPr lang="en-US" dirty="0"/>
           </a:p>
         </p:txBody>
       </p:sp>
@@ -11285,7 +11235,7 @@
               <a:rPr lang="en-US" smtClean="0"/>
               <a:t>‹#›</a:t>
             </a:fld>
-            <a:endParaRPr lang="en-US"/>
+            <a:endParaRPr lang="en-US" dirty="0"/>
           </a:p>
         </p:txBody>
       </p:sp>
@@ -11413,7 +11363,7 @@
               <a:rPr lang="en-US" smtClean="0"/>
               <a:t>3/17/2020</a:t>
             </a:fld>
-            <a:endParaRPr lang="en-US"/>
+            <a:endParaRPr lang="en-US" dirty="0"/>
           </a:p>
         </p:txBody>
       </p:sp>
@@ -11432,7 +11382,7 @@
           <a:bodyPr/>
           <a:lstStyle/>
           <a:p>
-            <a:endParaRPr lang="en-US"/>
+            <a:endParaRPr lang="en-US" dirty="0"/>
           </a:p>
         </p:txBody>
       </p:sp>
@@ -11455,7 +11405,7 @@
               <a:rPr lang="en-US" smtClean="0"/>
               <a:t>‹#›</a:t>
             </a:fld>
-            <a:endParaRPr lang="en-US"/>
+            <a:endParaRPr lang="en-US" dirty="0"/>
           </a:p>
         </p:txBody>
       </p:sp>
@@ -11659,7 +11609,7 @@
               <a:rPr lang="en-US" smtClean="0"/>
               <a:t>3/17/2020</a:t>
             </a:fld>
-            <a:endParaRPr lang="en-US"/>
+            <a:endParaRPr lang="en-US" dirty="0"/>
           </a:p>
         </p:txBody>
       </p:sp>
@@ -11678,7 +11628,7 @@
           <a:bodyPr/>
           <a:lstStyle/>
           <a:p>
-            <a:endParaRPr lang="en-US"/>
+            <a:endParaRPr lang="en-US" dirty="0"/>
           </a:p>
         </p:txBody>
       </p:sp>
@@ -11701,7 +11651,7 @@
               <a:rPr lang="en-US" smtClean="0"/>
               <a:t>‹#›</a:t>
             </a:fld>
-            <a:endParaRPr lang="en-US"/>
+            <a:endParaRPr lang="en-US" dirty="0"/>
           </a:p>
         </p:txBody>
       </p:sp>
@@ -11896,7 +11846,7 @@
               <a:rPr lang="en-US" smtClean="0"/>
               <a:t>3/17/2020</a:t>
             </a:fld>
-            <a:endParaRPr lang="en-US"/>
+            <a:endParaRPr lang="en-US" dirty="0"/>
           </a:p>
         </p:txBody>
       </p:sp>
@@ -11915,7 +11865,7 @@
           <a:bodyPr/>
           <a:lstStyle/>
           <a:p>
-            <a:endParaRPr lang="en-US"/>
+            <a:endParaRPr lang="en-US" dirty="0"/>
           </a:p>
         </p:txBody>
       </p:sp>
@@ -11938,7 +11888,7 @@
               <a:rPr lang="en-US" smtClean="0"/>
               <a:t>‹#›</a:t>
             </a:fld>
-            <a:endParaRPr lang="en-US"/>
+            <a:endParaRPr lang="en-US" dirty="0"/>
           </a:p>
         </p:txBody>
       </p:sp>
@@ -12263,7 +12213,7 @@
               <a:rPr lang="en-US" smtClean="0"/>
               <a:t>3/17/2020</a:t>
             </a:fld>
-            <a:endParaRPr lang="en-US"/>
+            <a:endParaRPr lang="en-US" dirty="0"/>
           </a:p>
         </p:txBody>
       </p:sp>
@@ -12282,7 +12232,7 @@
           <a:bodyPr/>
           <a:lstStyle/>
           <a:p>
-            <a:endParaRPr lang="en-US"/>
+            <a:endParaRPr lang="en-US" dirty="0"/>
           </a:p>
         </p:txBody>
       </p:sp>
@@ -12305,7 +12255,7 @@
               <a:rPr lang="en-US" smtClean="0"/>
               <a:t>‹#›</a:t>
             </a:fld>
-            <a:endParaRPr lang="en-US"/>
+            <a:endParaRPr lang="en-US" dirty="0"/>
           </a:p>
         </p:txBody>
       </p:sp>
@@ -12381,7 +12331,7 @@
               <a:rPr lang="en-US" smtClean="0"/>
               <a:t>3/17/2020</a:t>
             </a:fld>
-            <a:endParaRPr lang="en-US"/>
+            <a:endParaRPr lang="en-US" dirty="0"/>
           </a:p>
         </p:txBody>
       </p:sp>
@@ -12400,7 +12350,7 @@
           <a:bodyPr/>
           <a:lstStyle/>
           <a:p>
-            <a:endParaRPr lang="en-US"/>
+            <a:endParaRPr lang="en-US" dirty="0"/>
           </a:p>
         </p:txBody>
       </p:sp>
@@ -12423,7 +12373,7 @@
               <a:rPr lang="en-US" smtClean="0"/>
               <a:t>‹#›</a:t>
             </a:fld>
-            <a:endParaRPr lang="en-US"/>
+            <a:endParaRPr lang="en-US" dirty="0"/>
           </a:p>
         </p:txBody>
       </p:sp>
@@ -12476,7 +12426,7 @@
               <a:rPr lang="en-US" smtClean="0"/>
               <a:t>3/17/2020</a:t>
             </a:fld>
-            <a:endParaRPr lang="en-US"/>
+            <a:endParaRPr lang="en-US" dirty="0"/>
           </a:p>
         </p:txBody>
       </p:sp>
@@ -12495,7 +12445,7 @@
           <a:bodyPr/>
           <a:lstStyle/>
           <a:p>
-            <a:endParaRPr lang="en-US"/>
+            <a:endParaRPr lang="en-US" dirty="0"/>
           </a:p>
         </p:txBody>
       </p:sp>
@@ -12518,7 +12468,7 @@
               <a:rPr lang="en-US" smtClean="0"/>
               <a:t>‹#›</a:t>
             </a:fld>
-            <a:endParaRPr lang="en-US"/>
+            <a:endParaRPr lang="en-US" dirty="0"/>
           </a:p>
         </p:txBody>
       </p:sp>
@@ -12758,7 +12708,7 @@
               <a:rPr lang="en-US" smtClean="0"/>
               <a:t>3/17/2020</a:t>
             </a:fld>
-            <a:endParaRPr lang="en-US"/>
+            <a:endParaRPr lang="en-US" dirty="0"/>
           </a:p>
         </p:txBody>
       </p:sp>
@@ -12777,7 +12727,7 @@
           <a:bodyPr/>
           <a:lstStyle/>
           <a:p>
-            <a:endParaRPr lang="en-US"/>
+            <a:endParaRPr lang="en-US" dirty="0"/>
           </a:p>
         </p:txBody>
       </p:sp>
@@ -12800,7 +12750,7 @@
               <a:rPr lang="en-US" smtClean="0"/>
               <a:t>‹#›</a:t>
             </a:fld>
-            <a:endParaRPr lang="en-US"/>
+            <a:endParaRPr lang="en-US" dirty="0"/>
           </a:p>
         </p:txBody>
       </p:sp>
@@ -12924,10 +12874,9 @@
           </a:lstStyle>
           <a:p>
             <a:r>
-              <a:rPr lang="en-US"/>
+              <a:rPr lang="en-US" dirty="0"/>
               <a:t>Click icon to add picture</a:t>
             </a:r>
-            <a:endParaRPr lang="en-US" dirty="0"/>
           </a:p>
         </p:txBody>
       </p:sp>
@@ -13015,7 +12964,7 @@
               <a:rPr lang="en-US" smtClean="0"/>
               <a:t>3/17/2020</a:t>
             </a:fld>
-            <a:endParaRPr lang="en-US"/>
+            <a:endParaRPr lang="en-US" dirty="0"/>
           </a:p>
         </p:txBody>
       </p:sp>
@@ -13034,7 +12983,7 @@
           <a:bodyPr/>
           <a:lstStyle/>
           <a:p>
-            <a:endParaRPr lang="en-US"/>
+            <a:endParaRPr lang="en-US" dirty="0"/>
           </a:p>
         </p:txBody>
       </p:sp>
@@ -13057,7 +13006,7 @@
               <a:rPr lang="en-US" smtClean="0"/>
               <a:t>‹#›</a:t>
             </a:fld>
-            <a:endParaRPr lang="en-US"/>
+            <a:endParaRPr lang="en-US" dirty="0"/>
           </a:p>
         </p:txBody>
       </p:sp>
@@ -13228,7 +13177,7 @@
               <a:rPr lang="en-US" smtClean="0"/>
               <a:t>3/17/2020</a:t>
             </a:fld>
-            <a:endParaRPr lang="en-US"/>
+            <a:endParaRPr lang="en-US" dirty="0"/>
           </a:p>
         </p:txBody>
       </p:sp>
@@ -13265,7 +13214,7 @@
             </a:lvl1pPr>
           </a:lstStyle>
           <a:p>
-            <a:endParaRPr lang="en-US"/>
+            <a:endParaRPr lang="en-US" dirty="0"/>
           </a:p>
         </p:txBody>
       </p:sp>
@@ -13306,7 +13255,7 @@
               <a:rPr lang="en-US" smtClean="0"/>
               <a:t>‹#›</a:t>
             </a:fld>
-            <a:endParaRPr lang="en-US"/>
+            <a:endParaRPr lang="en-US" dirty="0"/>
           </a:p>
         </p:txBody>
       </p:sp>
@@ -13677,7 +13626,7 @@
               <a:rPr lang="en-US" sz="4000" b="1" dirty="0">
                 <a:latin typeface="+mn-lt"/>
               </a:rPr>
-              <a:t>Customers Segmentation based on their Credit Card usage behavior:</a:t>
+              <a:t>Customer Segmentation Based On Their Credit Card Usage Behavior</a:t>
             </a:r>
             <a:endParaRPr lang="en-US" sz="4000" dirty="0">
               <a:latin typeface="+mn-lt"/>
@@ -13703,26 +13652,28 @@
         </p:nvSpPr>
         <p:spPr>
           <a:xfrm>
-            <a:off x="1094096" y="3842932"/>
-            <a:ext cx="4167115" cy="2163551"/>
+            <a:off x="1094095" y="3922445"/>
+            <a:ext cx="4167115" cy="639616"/>
           </a:xfrm>
         </p:spPr>
         <p:txBody>
           <a:bodyPr anchor="t">
-            <a:normAutofit/>
+            <a:normAutofit fontScale="92500" lnSpcReduction="20000"/>
           </a:bodyPr>
           <a:lstStyle/>
           <a:p>
             <a:pPr algn="l"/>
             <a:r>
-              <a:rPr lang="en-US" b="1" dirty="0"/>
-              <a:t>Pari </a:t>
+              <a:rPr lang="en-US" sz="2000" b="1" dirty="0"/>
+              <a:t>Pari Manouchehri</a:t>
             </a:r>
+          </a:p>
+          <a:p>
+            <a:pPr algn="l"/>
             <a:r>
-              <a:rPr lang="en-US" b="1" dirty="0" err="1"/>
-              <a:t>Manouchehri</a:t>
+              <a:rPr lang="en-US" sz="2000" b="1" dirty="0"/>
+              <a:t>March 2017</a:t>
             </a:r>
-            <a:endParaRPr lang="en-US" b="1" dirty="0"/>
           </a:p>
         </p:txBody>
       </p:sp>
@@ -13821,7 +13772,7 @@
         </p:nvSpPr>
         <p:spPr>
           <a:xfrm>
-            <a:off x="8479777" y="639763"/>
+            <a:off x="796829" y="749093"/>
             <a:ext cx="3046073" cy="5177377"/>
           </a:xfrm>
           <a:ln>
@@ -13859,14 +13810,14 @@
             <p:ph idx="1"/>
             <p:extLst>
               <p:ext uri="{D42A27DB-BD31-4B8C-83A1-F6EECF244321}">
-                <p14:modId xmlns:p14="http://schemas.microsoft.com/office/powerpoint/2010/main" val="4217340572"/>
+                <p14:modId xmlns:p14="http://schemas.microsoft.com/office/powerpoint/2010/main" val="1590318767"/>
               </p:ext>
             </p:extLst>
           </p:nvPr>
         </p:nvGraphicFramePr>
         <p:xfrm>
-          <a:off x="622300" y="639763"/>
-          <a:ext cx="6572250" cy="5588000"/>
+          <a:off x="4130813" y="635000"/>
+          <a:ext cx="6871804" cy="5588000"/>
         </p:xfrm>
         <a:graphic>
           <a:graphicData uri="http://schemas.openxmlformats.org/drawingml/2006/diagram">
@@ -13997,7 +13948,7 @@
           <a:lstStyle/>
           <a:p>
             <a:pPr algn="ctr"/>
-            <a:endParaRPr lang="en-US"/>
+            <a:endParaRPr lang="en-US" dirty="0"/>
           </a:p>
         </p:txBody>
       </p:sp>
@@ -14060,7 +14011,7 @@
           <a:lstStyle/>
           <a:p>
             <a:pPr algn="ctr"/>
-            <a:endParaRPr lang="en-US"/>
+            <a:endParaRPr lang="en-US" dirty="0"/>
           </a:p>
         </p:txBody>
       </p:sp>
@@ -14125,7 +14076,7 @@
           <a:lstStyle/>
           <a:p>
             <a:pPr algn="ctr"/>
-            <a:endParaRPr lang="en-US"/>
+            <a:endParaRPr lang="en-US" dirty="0"/>
           </a:p>
         </p:txBody>
       </p:sp>
@@ -14147,8 +14098,8 @@
         </p:nvSpPr>
         <p:spPr>
           <a:xfrm>
-            <a:off x="1366160" y="1660121"/>
-            <a:ext cx="9623404" cy="3305493"/>
+            <a:off x="1346281" y="994199"/>
+            <a:ext cx="3404623" cy="3305493"/>
           </a:xfrm>
         </p:spPr>
         <p:txBody>
@@ -14158,11 +14109,11 @@
           <a:lstStyle/>
           <a:p>
             <a:r>
-              <a:rPr lang="en-US" sz="8800" b="1" kern="1200" cap="all">
+              <a:rPr lang="en-US" b="1" kern="1200" cap="all" dirty="0">
                 <a:solidFill>
                   <a:schemeClr val="tx1"/>
                 </a:solidFill>
-                <a:latin typeface="+mj-lt"/>
+                <a:latin typeface="+mn-lt"/>
                 <a:ea typeface="+mj-ea"/>
                 <a:cs typeface="+mj-cs"/>
               </a:rPr>
@@ -14265,7 +14216,7 @@
           <a:lstStyle/>
           <a:p>
             <a:pPr algn="ctr"/>
-            <a:endParaRPr lang="en-US"/>
+            <a:endParaRPr lang="en-US" dirty="0"/>
           </a:p>
         </p:txBody>
       </p:sp>
@@ -14328,7 +14279,7 @@
           <a:lstStyle/>
           <a:p>
             <a:pPr algn="ctr"/>
-            <a:endParaRPr lang="en-US"/>
+            <a:endParaRPr lang="en-US" dirty="0"/>
           </a:p>
         </p:txBody>
       </p:sp>
@@ -14461,7 +14412,7 @@
           <a:lstStyle/>
           <a:p>
             <a:pPr algn="ctr"/>
-            <a:endParaRPr lang="en-US"/>
+            <a:endParaRPr lang="en-US" dirty="0"/>
           </a:p>
         </p:txBody>
       </p:sp>
@@ -14494,17 +14445,6 @@
           <a:lstStyle/>
           <a:p>
             <a:r>
-              <a:rPr lang="en-US" sz="4000" b="1" kern="1200" cap="all" dirty="0" err="1">
-                <a:solidFill>
-                  <a:schemeClr val="tx1"/>
-                </a:solidFill>
-                <a:latin typeface="+mn-lt"/>
-                <a:ea typeface="+mj-ea"/>
-                <a:cs typeface="+mj-cs"/>
-              </a:rPr>
-              <a:t>Kmeans</a:t>
-            </a:r>
-            <a:r>
               <a:rPr lang="en-US" sz="4000" b="1" kern="1200" cap="all" dirty="0">
                 <a:solidFill>
                   <a:schemeClr val="tx1"/>
@@ -14513,7 +14453,7 @@
                 <a:ea typeface="+mj-ea"/>
                 <a:cs typeface="+mj-cs"/>
               </a:rPr>
-              <a:t> Clustering</a:t>
+              <a:t>Kmeans Clustering</a:t>
             </a:r>
           </a:p>
         </p:txBody>
@@ -14577,7 +14517,7 @@
           <a:lstStyle/>
           <a:p>
             <a:pPr algn="ctr"/>
-            <a:endParaRPr lang="en-US"/>
+            <a:endParaRPr lang="en-US" dirty="0"/>
           </a:p>
         </p:txBody>
       </p:sp>
@@ -14696,7 +14636,7 @@
               <a:tabLst/>
               <a:defRPr/>
             </a:pPr>
-            <a:endParaRPr kumimoji="0" lang="en-US" sz="1800" b="0" i="0" u="none" strike="noStrike" kern="1200" cap="none" spc="0" normalizeH="0" baseline="0" noProof="0">
+            <a:endParaRPr kumimoji="0" lang="en-US" sz="1800" b="0" i="0" u="none" strike="noStrike" kern="1200" cap="none" spc="0" normalizeH="0" baseline="0" noProof="0" dirty="0">
               <a:ln>
                 <a:noFill/>
               </a:ln>
@@ -14866,7 +14806,7 @@
               <a:tabLst/>
               <a:defRPr/>
             </a:pPr>
-            <a:endParaRPr kumimoji="0" lang="en-US" sz="1800" b="0" i="0" u="none" strike="noStrike" kern="1200" cap="none" spc="0" normalizeH="0" baseline="0" noProof="0">
+            <a:endParaRPr kumimoji="0" lang="en-US" sz="1800" b="0" i="0" u="none" strike="noStrike" kern="1200" cap="none" spc="0" normalizeH="0" baseline="0" noProof="0" dirty="0">
               <a:ln>
                 <a:noFill/>
               </a:ln>
@@ -14972,7 +14912,7 @@
           <a:lstStyle/>
           <a:p>
             <a:pPr algn="ctr"/>
-            <a:endParaRPr lang="en-US"/>
+            <a:endParaRPr lang="en-US" dirty="0"/>
           </a:p>
         </p:txBody>
       </p:sp>
@@ -15073,7 +15013,7 @@
           <a:lstStyle/>
           <a:p>
             <a:pPr algn="ctr"/>
-            <a:endParaRPr lang="en-US"/>
+            <a:endParaRPr lang="en-US" dirty="0"/>
           </a:p>
         </p:txBody>
       </p:sp>
@@ -15126,7 +15066,7 @@
                   <a:srgbClr val="FFFFFF"/>
                 </a:solidFill>
               </a:rPr>
-              <a:t>per cluster</a:t>
+              <a:t>Per Cluster</a:t>
             </a:r>
           </a:p>
         </p:txBody>
@@ -15201,7 +15141,7 @@
           <a:lstStyle/>
           <a:p>
             <a:pPr algn="ctr"/>
-            <a:endParaRPr lang="en-US"/>
+            <a:endParaRPr lang="en-US" dirty="0"/>
           </a:p>
         </p:txBody>
       </p:sp>
@@ -15334,7 +15274,7 @@
           <a:lstStyle/>
           <a:p>
             <a:pPr algn="ctr"/>
-            <a:endParaRPr lang="en-US"/>
+            <a:endParaRPr lang="en-US" dirty="0"/>
           </a:p>
         </p:txBody>
       </p:sp>
@@ -15368,39 +15308,30 @@
           <a:p>
             <a:r>
               <a:rPr lang="en-US" sz="4000" b="1" dirty="0">
+                <a:solidFill>
+                  <a:schemeClr val="bg1"/>
+                </a:solidFill>
                 <a:latin typeface="+mn-lt"/>
               </a:rPr>
-              <a:t>Plot </a:t>
-            </a:r>
-            <a:r>
-              <a:rPr lang="en-US" sz="4000" b="1" dirty="0" err="1">
-                <a:latin typeface="+mn-lt"/>
-              </a:rPr>
-              <a:t>Kmeans</a:t>
-            </a:r>
-            <a:r>
-              <a:rPr lang="en-US" sz="4000" b="1" dirty="0">
-                <a:latin typeface="+mn-lt"/>
-              </a:rPr>
-              <a:t> with 4 Clusters</a:t>
+              <a:t>Plot Kmeans With 4 Clusters</a:t>
             </a:r>
             <a:br>
               <a:rPr lang="en-US" sz="4000" b="1" dirty="0">
+                <a:solidFill>
+                  <a:schemeClr val="bg1"/>
+                </a:solidFill>
                 <a:latin typeface="+mn-lt"/>
               </a:rPr>
             </a:br>
             <a:r>
               <a:rPr lang="en-US" sz="4000" b="1" dirty="0">
+                <a:solidFill>
+                  <a:schemeClr val="bg1"/>
+                </a:solidFill>
                 <a:latin typeface="+mn-lt"/>
               </a:rPr>
-              <a:t> by PCA</a:t>
+              <a:t> Using PCA</a:t>
             </a:r>
-            <a:endParaRPr lang="en-US" sz="4000" b="1" dirty="0">
-              <a:solidFill>
-                <a:srgbClr val="FFFFFF"/>
-              </a:solidFill>
-              <a:latin typeface="+mn-lt"/>
-            </a:endParaRPr>
           </a:p>
         </p:txBody>
       </p:sp>
@@ -15474,7 +15405,7 @@
           <a:lstStyle/>
           <a:p>
             <a:pPr algn="ctr"/>
-            <a:endParaRPr lang="en-US"/>
+            <a:endParaRPr lang="en-US" dirty="0"/>
           </a:p>
         </p:txBody>
       </p:sp>
@@ -15604,7 +15535,7 @@
           <a:lstStyle/>
           <a:p>
             <a:pPr algn="ctr"/>
-            <a:endParaRPr lang="en-US"/>
+            <a:endParaRPr lang="en-US" dirty="0"/>
           </a:p>
         </p:txBody>
       </p:sp>
@@ -15636,7 +15567,6 @@
           </a:bodyPr>
           <a:lstStyle/>
           <a:p>
-            <a:pPr algn="ctr"/>
             <a:r>
               <a:rPr lang="en-US" sz="4000" b="1" dirty="0"/>
               <a:t>Observe Consistency across </a:t>
@@ -15646,22 +15576,14 @@
             </a:br>
             <a:r>
               <a:rPr lang="en-US" sz="4000" b="1" dirty="0"/>
-              <a:t>Subsamples </a:t>
+              <a:t>Sub-samples </a:t>
             </a:r>
             <a:br>
               <a:rPr lang="en-US" sz="4000" b="1" dirty="0"/>
             </a:br>
             <a:r>
               <a:rPr lang="en-US" sz="4000" b="1" dirty="0"/>
-              <a:t>of </a:t>
-            </a:r>
-            <a:r>
-              <a:rPr lang="en-US" sz="4000" b="1" dirty="0" err="1"/>
-              <a:t>Kmeans</a:t>
-            </a:r>
-            <a:r>
-              <a:rPr lang="en-US" sz="4000" b="1" dirty="0"/>
-              <a:t> Clustering</a:t>
+              <a:t>of Kmeans Clustering</a:t>
             </a:r>
           </a:p>
         </p:txBody>
@@ -15795,7 +15717,7 @@
           <a:lstStyle/>
           <a:p>
             <a:pPr algn="ctr"/>
-            <a:endParaRPr lang="en-US"/>
+            <a:endParaRPr lang="en-US" dirty="0"/>
           </a:p>
         </p:txBody>
       </p:sp>
@@ -15858,7 +15780,7 @@
           <a:lstStyle/>
           <a:p>
             <a:pPr algn="ctr"/>
-            <a:endParaRPr lang="en-US"/>
+            <a:endParaRPr lang="en-US" dirty="0"/>
           </a:p>
         </p:txBody>
       </p:sp>
@@ -16021,7 +15943,7 @@
           <a:lstStyle/>
           <a:p>
             <a:pPr algn="ctr"/>
-            <a:endParaRPr lang="en-US"/>
+            <a:endParaRPr lang="en-US" dirty="0"/>
           </a:p>
         </p:txBody>
       </p:sp>
@@ -16054,8 +15976,8 @@
           <a:lstStyle/>
           <a:p>
             <a:r>
-              <a:rPr lang="en-US" sz="3700" b="1"/>
-              <a:t>Finding best number of Clusters by Calculating Silhouette Score</a:t>
+              <a:rPr lang="en-US" sz="3700" b="1" dirty="0"/>
+              <a:t>Finding Best Number Of Clusters By Calculating Silhouette Score</a:t>
             </a:r>
           </a:p>
         </p:txBody>
@@ -16286,7 +16208,7 @@
           <a:lstStyle/>
           <a:p>
             <a:pPr algn="ctr"/>
-            <a:endParaRPr lang="en-US"/>
+            <a:endParaRPr lang="en-US" dirty="0"/>
           </a:p>
         </p:txBody>
       </p:sp>
@@ -16319,20 +16241,12 @@
           <a:lstStyle/>
           <a:p>
             <a:r>
-              <a:rPr lang="en-US" sz="4000" b="1" dirty="0" err="1">
-                <a:solidFill>
-                  <a:srgbClr val="FFFFFF"/>
-                </a:solidFill>
-              </a:rPr>
-              <a:t>Kmeans</a:t>
-            </a:r>
-            <a:r>
               <a:rPr lang="en-US" sz="4000" b="1" dirty="0">
                 <a:solidFill>
                   <a:srgbClr val="FFFFFF"/>
                 </a:solidFill>
               </a:rPr>
-              <a:t> Clustering</a:t>
+              <a:t>Kmeans Clustering</a:t>
             </a:r>
             <a:br>
               <a:rPr lang="en-US" sz="4000" b="1" dirty="0">
@@ -16437,7 +16351,7 @@
           <a:lstStyle/>
           <a:p>
             <a:pPr algn="ctr"/>
-            <a:endParaRPr lang="en-US"/>
+            <a:endParaRPr lang="en-US" dirty="0"/>
           </a:p>
         </p:txBody>
       </p:sp>
@@ -16567,7 +16481,7 @@
           <a:lstStyle/>
           <a:p>
             <a:pPr algn="ctr"/>
-            <a:endParaRPr lang="en-US"/>
+            <a:endParaRPr lang="en-US" dirty="0"/>
           </a:p>
         </p:txBody>
       </p:sp>
@@ -17394,7 +17308,7 @@
           <a:lstStyle/>
           <a:p>
             <a:pPr algn="ctr"/>
-            <a:endParaRPr lang="en-US"/>
+            <a:endParaRPr lang="en-US" dirty="0"/>
           </a:p>
         </p:txBody>
       </p:sp>
@@ -17505,15 +17419,12 @@
           <a:p>
             <a:pPr algn="ctr"/>
             <a:r>
-              <a:rPr lang="en-US" sz="4000" b="1" dirty="0">
+              <a:rPr lang="en-US" sz="4000" b="1" u="sng" dirty="0">
                 <a:latin typeface="+mn-lt"/>
               </a:rPr>
               <a:t>Project Outline</a:t>
             </a:r>
-            <a:r>
-              <a:rPr lang="en-US" b="1" dirty="0"/>
-              <a:t>:</a:t>
-            </a:r>
+            <a:endParaRPr lang="en-US" b="1" u="sng" dirty="0"/>
           </a:p>
         </p:txBody>
       </p:sp>
@@ -17533,7 +17444,7 @@
             <p:ph idx="1"/>
             <p:extLst>
               <p:ext uri="{D42A27DB-BD31-4B8C-83A1-F6EECF244321}">
-                <p14:modId xmlns:p14="http://schemas.microsoft.com/office/powerpoint/2010/main" val="733231865"/>
+                <p14:modId xmlns:p14="http://schemas.microsoft.com/office/powerpoint/2010/main" val="403504701"/>
               </p:ext>
             </p:extLst>
           </p:nvPr>
@@ -17608,10 +17519,9 @@
           <a:p>
             <a:pPr algn="ctr"/>
             <a:r>
-              <a:rPr lang="en-US" sz="3600" b="1"/>
-              <a:t>Sketch the dendrogram using the different linkage method</a:t>
+              <a:rPr lang="en-US" sz="3600" b="1" dirty="0"/>
+              <a:t>Sketch The Dendrogram Using The Different Linkage Method</a:t>
             </a:r>
-            <a:endParaRPr lang="en-US" sz="3600" b="1" dirty="0"/>
           </a:p>
         </p:txBody>
       </p:sp>
@@ -17762,7 +17672,7 @@
               <a:tabLst/>
               <a:defRPr/>
             </a:pPr>
-            <a:endParaRPr kumimoji="0" lang="en-US" sz="1800" b="0" i="0" u="none" strike="noStrike" kern="1200" cap="none" spc="0" normalizeH="0" baseline="0" noProof="0">
+            <a:endParaRPr kumimoji="0" lang="en-US" sz="1800" b="0" i="0" u="none" strike="noStrike" kern="1200" cap="none" spc="0" normalizeH="0" baseline="0" noProof="0" dirty="0">
               <a:ln>
                 <a:noFill/>
               </a:ln>
@@ -17797,7 +17707,7 @@
         </p:nvSpPr>
         <p:spPr>
           <a:xfrm>
-            <a:off x="524256" y="491260"/>
+            <a:off x="454682" y="321732"/>
             <a:ext cx="6594189" cy="1625210"/>
           </a:xfrm>
         </p:spPr>
@@ -17808,19 +17718,19 @@
           <a:lstStyle/>
           <a:p>
             <a:br>
-              <a:rPr lang="en-US" sz="3700" b="1">
+              <a:rPr lang="en-US" sz="3700" b="1" dirty="0">
                 <a:solidFill>
                   <a:srgbClr val="FFFFFF"/>
                 </a:solidFill>
               </a:rPr>
             </a:br>
             <a:r>
-              <a:rPr lang="en-US" sz="3700" b="1">
+              <a:rPr lang="en-US" sz="3700" b="1" dirty="0">
                 <a:solidFill>
                   <a:srgbClr val="FFFFFF"/>
                 </a:solidFill>
               </a:rPr>
-              <a:t>Finding best number of Clusters by Calculating Silhouette Score</a:t>
+              <a:t>Finding Best Number Of Clusters By Calculating Silhouette Score</a:t>
             </a:r>
           </a:p>
         </p:txBody>
@@ -17929,7 +17839,7 @@
               <a:tabLst/>
               <a:defRPr/>
             </a:pPr>
-            <a:endParaRPr kumimoji="0" lang="en-US" sz="1800" b="0" i="0" u="none" strike="noStrike" kern="1200" cap="none" spc="0" normalizeH="0" baseline="0" noProof="0">
+            <a:endParaRPr kumimoji="0" lang="en-US" sz="1800" b="0" i="0" u="none" strike="noStrike" kern="1200" cap="none" spc="0" normalizeH="0" baseline="0" noProof="0" dirty="0">
               <a:ln>
                 <a:noFill/>
               </a:ln>
@@ -17990,23 +17900,7 @@
                   <a:srgbClr val="FFFFFF"/>
                 </a:solidFill>
               </a:rPr>
-              <a:t>Based on the </a:t>
-            </a:r>
-            <a:r>
-              <a:rPr lang="en-US" dirty="0" err="1">
-                <a:solidFill>
-                  <a:srgbClr val="FFFFFF"/>
-                </a:solidFill>
-              </a:rPr>
-              <a:t>dendogram</a:t>
-            </a:r>
-            <a:r>
-              <a:rPr lang="en-US" dirty="0">
-                <a:solidFill>
-                  <a:srgbClr val="FFFFFF"/>
-                </a:solidFill>
-              </a:rPr>
-              <a:t>, the ward linkage has better distribution, so we choose the ward one with 2 clusters.</a:t>
+              <a:t>Based on the dendogram, the Ward linkage has better distribution, so we selected the Ward one with 2 clusters.</a:t>
             </a:r>
           </a:p>
         </p:txBody>
@@ -18108,7 +18002,7 @@
           <a:lstStyle/>
           <a:p>
             <a:pPr algn="ctr"/>
-            <a:endParaRPr lang="en-US"/>
+            <a:endParaRPr lang="en-US" dirty="0"/>
           </a:p>
         </p:txBody>
       </p:sp>
@@ -18130,8 +18024,8 @@
         </p:nvSpPr>
         <p:spPr>
           <a:xfrm>
-            <a:off x="9093495" y="618681"/>
-            <a:ext cx="2942791" cy="4794567"/>
+            <a:off x="8622371" y="618681"/>
+            <a:ext cx="3413916" cy="4794567"/>
           </a:xfrm>
         </p:spPr>
         <p:txBody>
@@ -18161,7 +18055,7 @@
                   <a:srgbClr val="FFFFFF"/>
                 </a:solidFill>
               </a:rPr>
-              <a:t>by PCA</a:t>
+              <a:t>Using PCA</a:t>
             </a:r>
           </a:p>
         </p:txBody>
@@ -18236,7 +18130,7 @@
           <a:lstStyle/>
           <a:p>
             <a:pPr algn="ctr"/>
-            <a:endParaRPr lang="en-US"/>
+            <a:endParaRPr lang="en-US" dirty="0"/>
           </a:p>
         </p:txBody>
       </p:sp>
@@ -18366,7 +18260,7 @@
           <a:lstStyle/>
           <a:p>
             <a:pPr algn="ctr"/>
-            <a:endParaRPr lang="en-US"/>
+            <a:endParaRPr lang="en-US" dirty="0"/>
           </a:p>
         </p:txBody>
       </p:sp>
@@ -18536,7 +18430,7 @@
           <a:lstStyle/>
           <a:p>
             <a:pPr algn="ctr"/>
-            <a:endParaRPr lang="en-US"/>
+            <a:endParaRPr lang="en-US" dirty="0"/>
           </a:p>
         </p:txBody>
       </p:sp>
@@ -18630,7 +18524,7 @@
           <a:lstStyle/>
           <a:p>
             <a:pPr algn="ctr"/>
-            <a:endParaRPr lang="en-US"/>
+            <a:endParaRPr lang="en-US" dirty="0"/>
           </a:p>
         </p:txBody>
       </p:sp>
@@ -18917,9 +18811,9 @@
             <a:r>
               <a:rPr lang="en-US" sz="4000" b="1" kern="1200" dirty="0">
                 <a:solidFill>
-                  <a:schemeClr val="bg2"/>
+                  <a:schemeClr val="bg1"/>
                 </a:solidFill>
-                <a:latin typeface="+mj-lt"/>
+                <a:latin typeface="+mn-lt"/>
                 <a:ea typeface="+mj-ea"/>
                 <a:cs typeface="+mj-cs"/>
               </a:rPr>
@@ -19046,7 +18940,7 @@
           <a:lstStyle/>
           <a:p>
             <a:pPr algn="ctr"/>
-            <a:endParaRPr lang="en-US"/>
+            <a:endParaRPr lang="en-US" dirty="0"/>
           </a:p>
         </p:txBody>
       </p:sp>
@@ -19079,17 +18973,19 @@
           <a:lstStyle/>
           <a:p>
             <a:r>
-              <a:rPr lang="en-US" b="1">
+              <a:rPr lang="en-US" sz="3600" b="1" dirty="0">
                 <a:solidFill>
                   <a:schemeClr val="bg1"/>
                 </a:solidFill>
+                <a:latin typeface="+mn-lt"/>
               </a:rPr>
-              <a:t>Finding best number of Clusters by Calculating Silhouette Score</a:t>
+              <a:t>Finding Best Number Of Clusters By Calculating Silhouette Score</a:t>
             </a:r>
-            <a:endParaRPr lang="en-US">
+            <a:endParaRPr lang="en-US" sz="3600" dirty="0">
               <a:solidFill>
                 <a:schemeClr val="bg1"/>
               </a:solidFill>
+              <a:latin typeface="+mn-lt"/>
             </a:endParaRPr>
           </a:p>
         </p:txBody>
@@ -19255,7 +19151,7 @@
           <a:lstStyle/>
           <a:p>
             <a:pPr algn="ctr"/>
-            <a:endParaRPr lang="en-US"/>
+            <a:endParaRPr lang="en-US" dirty="0"/>
           </a:p>
         </p:txBody>
       </p:sp>
@@ -19389,7 +19285,7 @@
             </a:bodyPr>
             <a:lstStyle/>
             <a:p>
-              <a:endParaRPr lang="en-US"/>
+              <a:endParaRPr lang="en-US" dirty="0"/>
             </a:p>
           </p:txBody>
         </p:sp>
@@ -19492,7 +19388,7 @@
             </a:bodyPr>
             <a:lstStyle/>
             <a:p>
-              <a:endParaRPr lang="en-US"/>
+              <a:endParaRPr lang="en-US" dirty="0"/>
             </a:p>
           </p:txBody>
         </p:sp>
@@ -19595,7 +19491,7 @@
             </a:bodyPr>
             <a:lstStyle/>
             <a:p>
-              <a:endParaRPr lang="en-US"/>
+              <a:endParaRPr lang="en-US" dirty="0"/>
             </a:p>
           </p:txBody>
         </p:sp>
@@ -19698,7 +19594,7 @@
             </a:bodyPr>
             <a:lstStyle/>
             <a:p>
-              <a:endParaRPr lang="en-US"/>
+              <a:endParaRPr lang="en-US" dirty="0"/>
             </a:p>
           </p:txBody>
         </p:sp>
@@ -19748,7 +19644,7 @@
             </a:bodyPr>
             <a:lstStyle/>
             <a:p>
-              <a:endParaRPr lang="en-US"/>
+              <a:endParaRPr lang="en-US" dirty="0"/>
             </a:p>
           </p:txBody>
         </p:sp>
@@ -19782,14 +19678,14 @@
           <a:lstStyle/>
           <a:p>
             <a:r>
-              <a:rPr lang="en-US" sz="4000" b="1">
+              <a:rPr lang="en-US" sz="4000" b="1" dirty="0">
                 <a:solidFill>
                   <a:srgbClr val="FFFFFF"/>
                 </a:solidFill>
               </a:rPr>
               <a:t>Plot DBSCAN with 2 Clusters by PCA</a:t>
             </a:r>
-            <a:endParaRPr lang="en-US" sz="4000">
+            <a:endParaRPr lang="en-US" sz="4000" dirty="0">
               <a:solidFill>
                 <a:srgbClr val="FFFFFF"/>
               </a:solidFill>
@@ -19816,7 +19712,7 @@
         <p:spPr>
           <a:xfrm>
             <a:off x="1424904" y="2494450"/>
-            <a:ext cx="4053545" cy="3563159"/>
+            <a:ext cx="4367601" cy="3563159"/>
           </a:xfrm>
         </p:spPr>
         <p:txBody>
@@ -19830,7 +19726,7 @@
             </a:pPr>
             <a:r>
               <a:rPr lang="en-US" sz="3200" dirty="0"/>
-              <a:t>Result does not seem a suitable method because all number of customers in the one cluster and distribution of variables is not homogenous.</a:t>
+              <a:t>Result does not seem to be a suitable method because all number of customers fall into one cluster and distribution of variables is not homogenous.</a:t>
             </a:r>
           </a:p>
         </p:txBody>
@@ -19961,7 +19857,7 @@
           <a:lstStyle/>
           <a:p>
             <a:pPr algn="ctr"/>
-            <a:endParaRPr lang="en-US"/>
+            <a:endParaRPr lang="en-US" dirty="0"/>
           </a:p>
         </p:txBody>
       </p:sp>
@@ -20079,7 +19975,7 @@
           <a:lstStyle/>
           <a:p>
             <a:pPr algn="ctr"/>
-            <a:endParaRPr lang="en-US"/>
+            <a:endParaRPr lang="en-US" dirty="0"/>
           </a:p>
         </p:txBody>
       </p:sp>
@@ -20318,7 +20214,7 @@
           <a:lstStyle/>
           <a:p>
             <a:pPr algn="ctr"/>
-            <a:endParaRPr lang="en-US"/>
+            <a:endParaRPr lang="en-US" dirty="0"/>
           </a:p>
         </p:txBody>
       </p:sp>
@@ -20482,7 +20378,7 @@
           <a:lstStyle/>
           <a:p>
             <a:pPr algn="ctr"/>
-            <a:endParaRPr lang="en-US"/>
+            <a:endParaRPr lang="en-US" dirty="0"/>
           </a:p>
         </p:txBody>
       </p:sp>
@@ -20516,7 +20412,7 @@
           <a:p>
             <a:pPr algn="ctr"/>
             <a:r>
-              <a:rPr lang="en-US" sz="5400" b="1">
+              <a:rPr lang="en-US" sz="3600" b="1" dirty="0">
                 <a:solidFill>
                   <a:schemeClr val="bg1">
                     <a:lumMod val="95000"/>
@@ -20528,7 +20424,7 @@
               <a:t>Clustering with Gaussian Mixture Models (GMM)</a:t>
             </a:r>
             <a:br>
-              <a:rPr lang="en-US" sz="5400">
+              <a:rPr lang="en-US" sz="3600" dirty="0">
                 <a:solidFill>
                   <a:schemeClr val="bg1">
                     <a:lumMod val="95000"/>
@@ -20538,7 +20434,7 @@
                 <a:latin typeface="Calibri" panose="020F0502020204030204"/>
               </a:rPr>
             </a:br>
-            <a:endParaRPr lang="en-US" sz="5400">
+            <a:endParaRPr lang="en-US" sz="3600" dirty="0">
               <a:solidFill>
                 <a:schemeClr val="bg1">
                   <a:lumMod val="95000"/>
@@ -20664,7 +20560,7 @@
               <a:tabLst/>
               <a:defRPr/>
             </a:pPr>
-            <a:endParaRPr kumimoji="0" lang="en-US" sz="1800" b="0" i="0" u="none" strike="noStrike" kern="1200" cap="none" spc="0" normalizeH="0" baseline="0" noProof="0">
+            <a:endParaRPr kumimoji="0" lang="en-US" sz="1800" b="0" i="0" u="none" strike="noStrike" kern="1200" cap="none" spc="0" normalizeH="0" baseline="0" noProof="0" dirty="0">
               <a:ln>
                 <a:noFill/>
               </a:ln>
@@ -20710,24 +20606,27 @@
           <a:lstStyle/>
           <a:p>
             <a:br>
-              <a:rPr lang="en-US" sz="3700" b="1">
+              <a:rPr lang="en-US" sz="3700" b="1" dirty="0">
                 <a:solidFill>
                   <a:srgbClr val="FFFFFF"/>
                 </a:solidFill>
+                <a:latin typeface="+mn-lt"/>
               </a:rPr>
             </a:br>
             <a:r>
-              <a:rPr lang="en-US" sz="3700" b="1">
+              <a:rPr lang="en-US" sz="3700" b="1" dirty="0">
                 <a:solidFill>
                   <a:srgbClr val="FFFFFF"/>
                 </a:solidFill>
+                <a:latin typeface="+mn-lt"/>
               </a:rPr>
               <a:t>Finding best number of Clusters by Calculating Silhouette Score</a:t>
             </a:r>
-            <a:endParaRPr lang="en-US" sz="3700">
+            <a:endParaRPr lang="en-US" sz="3700" dirty="0">
               <a:solidFill>
                 <a:srgbClr val="FFFFFF"/>
               </a:solidFill>
+              <a:latin typeface="+mn-lt"/>
             </a:endParaRPr>
           </a:p>
         </p:txBody>
@@ -20836,7 +20735,7 @@
               <a:tabLst/>
               <a:defRPr/>
             </a:pPr>
-            <a:endParaRPr kumimoji="0" lang="en-US" sz="1800" b="0" i="0" u="none" strike="noStrike" kern="1200" cap="none" spc="0" normalizeH="0" baseline="0" noProof="0">
+            <a:endParaRPr kumimoji="0" lang="en-US" sz="1800" b="0" i="0" u="none" strike="noStrike" kern="1200" cap="none" spc="0" normalizeH="0" baseline="0" noProof="0" dirty="0">
               <a:ln>
                 <a:noFill/>
               </a:ln>
@@ -20889,45 +20788,8 @@
                 <a:solidFill>
                   <a:srgbClr val="FFFFFF"/>
                 </a:solidFill>
-                <a:latin typeface="+mj-lt"/>
               </a:rPr>
-              <a:t>The highest Silhouette Score is for number of 2 clusters and </a:t>
-            </a:r>
-            <a:r>
-              <a:rPr lang="en-US" sz="3200" b="1" dirty="0" err="1">
-                <a:solidFill>
-                  <a:srgbClr val="FFFFFF"/>
-                </a:solidFill>
-                <a:latin typeface="+mj-lt"/>
-              </a:rPr>
-              <a:t>covariance_type</a:t>
-            </a:r>
-            <a:r>
-              <a:rPr lang="en-US" sz="3200" b="1" dirty="0">
-                <a:solidFill>
-                  <a:srgbClr val="FFFFFF"/>
-                </a:solidFill>
-                <a:latin typeface="+mj-lt"/>
-              </a:rPr>
-              <a:t> of </a:t>
-            </a:r>
-            <a:r>
-              <a:rPr lang="en-US" sz="3200" b="1" dirty="0" err="1">
-                <a:solidFill>
-                  <a:srgbClr val="FFFFFF"/>
-                </a:solidFill>
-                <a:latin typeface="+mj-lt"/>
-              </a:rPr>
-              <a:t>Sherical</a:t>
-            </a:r>
-            <a:r>
-              <a:rPr lang="en-US" sz="3200" b="1" dirty="0">
-                <a:solidFill>
-                  <a:srgbClr val="FFFFFF"/>
-                </a:solidFill>
-                <a:latin typeface="+mj-lt"/>
-              </a:rPr>
-              <a:t>.</a:t>
+              <a:t>The highest Silhouette Score is for number of 2 clusters and covariance_type of Sherical.</a:t>
             </a:r>
           </a:p>
         </p:txBody>
@@ -21035,7 +20897,7 @@
           <a:lstStyle/>
           <a:p>
             <a:pPr algn="ctr"/>
-            <a:endParaRPr lang="en-US"/>
+            <a:endParaRPr lang="en-US" dirty="0"/>
           </a:p>
         </p:txBody>
       </p:sp>
@@ -21070,12 +20932,6 @@
             <a:br>
               <a:rPr lang="en-US" sz="2800" dirty="0"/>
             </a:br>
-            <a:r>
-              <a:rPr lang="en-US" sz="3200" b="1" dirty="0">
-                <a:latin typeface="+mn-lt"/>
-              </a:rPr>
-              <a:t>Introduction:</a:t>
-            </a:r>
             <a:br>
               <a:rPr lang="en-US" sz="2800" dirty="0"/>
             </a:br>
@@ -21101,16 +20957,29 @@
         </p:nvSpPr>
         <p:spPr>
           <a:xfrm>
-            <a:off x="838200" y="1848678"/>
-            <a:ext cx="5097780" cy="4124526"/>
+            <a:off x="899922" y="1063487"/>
+            <a:ext cx="5097780" cy="4909716"/>
           </a:xfrm>
         </p:spPr>
         <p:txBody>
           <a:bodyPr>
-            <a:normAutofit lnSpcReduction="10000"/>
+            <a:normAutofit/>
           </a:bodyPr>
           <a:lstStyle/>
           <a:p>
+            <a:pPr marL="0" indent="0">
+              <a:buNone/>
+            </a:pPr>
+            <a:r>
+              <a:rPr lang="en-US" sz="3500" b="1" u="sng" dirty="0"/>
+              <a:t>Introduction:</a:t>
+            </a:r>
+            <a:endParaRPr lang="en-US" sz="3500" u="sng" dirty="0"/>
+          </a:p>
+          <a:p>
+            <a:pPr marL="0" indent="0">
+              <a:buNone/>
+            </a:pPr>
             <a:r>
               <a:rPr lang="en-US" sz="2000" dirty="0"/>
               <a:t>The dataset used for this analysis was taken from Kaggle dataset.</a:t>
@@ -21119,7 +20988,7 @@
           <a:p>
             <a:r>
               <a:rPr lang="en-US" sz="2000" dirty="0"/>
-              <a:t> Dataset contains credit card usage of customers with 18 behavioral features. </a:t>
+              <a:t>Dataset contains credit card usage of customers with 18 behavioral features. </a:t>
             </a:r>
           </a:p>
           <a:p>
@@ -21131,13 +21000,13 @@
           <a:p>
             <a:r>
               <a:rPr lang="en-US" sz="2000" dirty="0"/>
-              <a:t>The dataset summarizes the usage behavior of about 9000 active credit card holders during the last 6 months which is updated 2 years ago.</a:t>
+              <a:t>Dataset summarizes usage behavior of about 9000 active credit card holders during the last 6 months, updated 2 years ago.</a:t>
             </a:r>
           </a:p>
           <a:p>
             <a:r>
               <a:rPr lang="en-US" sz="2000" dirty="0"/>
-              <a:t> Customer segments enable you to understand the patterns that distinguish  your customers.</a:t>
+              <a:t> Customer segments help us understand the patterns that distinguish customers.</a:t>
             </a:r>
           </a:p>
           <a:p>
@@ -21172,7 +21041,7 @@
         </p:spPr>
         <p:txBody>
           <a:bodyPr>
-            <a:normAutofit lnSpcReduction="10000"/>
+            <a:normAutofit/>
           </a:bodyPr>
           <a:lstStyle/>
           <a:p>
@@ -21180,7 +21049,7 @@
               <a:buNone/>
             </a:pPr>
             <a:r>
-              <a:rPr lang="en-US" sz="3200" b="1" dirty="0">
+              <a:rPr lang="en-US" sz="3200" b="1" u="sng" dirty="0">
                 <a:ea typeface="+mj-ea"/>
                 <a:cs typeface="+mj-cs"/>
               </a:rPr>
@@ -21191,19 +21060,11 @@
             <a:pPr marL="0" indent="0">
               <a:buNone/>
             </a:pPr>
-            <a:endParaRPr lang="en-US" sz="2400" b="1" dirty="0">
-              <a:latin typeface="Arial Black" panose="020B0A04020102020204" pitchFamily="34" charset="0"/>
-            </a:endParaRPr>
-          </a:p>
-          <a:p>
-            <a:pPr marL="0" indent="0">
-              <a:buNone/>
-            </a:pPr>
             <a:r>
-              <a:rPr lang="en-US" sz="2400" dirty="0"/>
+              <a:rPr lang="en-US" sz="2000" dirty="0"/>
               <a:t>Customer Segmentation by using Customer Behaviors in order to Define a Proper Marketing Strategy.</a:t>
             </a:r>
-            <a:endParaRPr lang="en-US" sz="2400" b="1" dirty="0"/>
+            <a:endParaRPr lang="en-US" sz="2000" b="1" dirty="0"/>
           </a:p>
           <a:p>
             <a:endParaRPr lang="en-US" sz="2400" dirty="0"/>
@@ -21307,7 +21168,7 @@
           <a:lstStyle/>
           <a:p>
             <a:pPr algn="ctr"/>
-            <a:endParaRPr lang="en-US"/>
+            <a:endParaRPr lang="en-US" dirty="0"/>
           </a:p>
         </p:txBody>
       </p:sp>
@@ -21330,7 +21191,7 @@
         <p:spPr>
           <a:xfrm>
             <a:off x="603938" y="640081"/>
-            <a:ext cx="2608655" cy="4333701"/>
+            <a:ext cx="2765427" cy="4333701"/>
           </a:xfrm>
         </p:spPr>
         <p:txBody>
@@ -21344,6 +21205,7 @@
                 <a:solidFill>
                   <a:srgbClr val="2C2C2C"/>
                 </a:solidFill>
+                <a:latin typeface="+mn-lt"/>
               </a:rPr>
             </a:br>
             <a:br>
@@ -21351,6 +21213,7 @@
                 <a:solidFill>
                   <a:srgbClr val="2C2C2C"/>
                 </a:solidFill>
+                <a:latin typeface="+mn-lt"/>
               </a:rPr>
             </a:br>
             <a:br>
@@ -21358,6 +21221,7 @@
                 <a:solidFill>
                   <a:srgbClr val="2C2C2C"/>
                 </a:solidFill>
+                <a:latin typeface="+mn-lt"/>
               </a:rPr>
             </a:br>
             <a:r>
@@ -21365,8 +21229,9 @@
                 <a:solidFill>
                   <a:srgbClr val="2C2C2C"/>
                 </a:solidFill>
+                <a:latin typeface="+mn-lt"/>
               </a:rPr>
-              <a:t>Plot GMM with 2 Clusters by PCA with size-based probability</a:t>
+              <a:t>Plot GMM With 2 Clusters By PCA With Size-based Probability</a:t>
             </a:r>
           </a:p>
         </p:txBody>
@@ -21441,7 +21306,7 @@
           <a:lstStyle/>
           <a:p>
             <a:pPr algn="ctr"/>
-            <a:endParaRPr lang="en-US"/>
+            <a:endParaRPr lang="en-US" dirty="0"/>
           </a:p>
         </p:txBody>
       </p:sp>
@@ -21574,7 +21439,7 @@
           <a:lstStyle/>
           <a:p>
             <a:pPr algn="ctr"/>
-            <a:endParaRPr lang="en-US"/>
+            <a:endParaRPr lang="en-US" dirty="0"/>
           </a:p>
         </p:txBody>
       </p:sp>
@@ -21607,17 +21472,19 @@
           <a:lstStyle/>
           <a:p>
             <a:r>
-              <a:rPr lang="en-US" sz="3600" b="1">
+              <a:rPr lang="en-US" sz="3600" b="1" dirty="0">
                 <a:solidFill>
                   <a:srgbClr val="FFFFFF"/>
                 </a:solidFill>
+                <a:latin typeface="+mn-lt"/>
               </a:rPr>
               <a:t>GMM Clustering with High Silhouette Score </a:t>
             </a:r>
-            <a:endParaRPr lang="en-US" sz="3600">
+            <a:endParaRPr lang="en-US" sz="3600" dirty="0">
               <a:solidFill>
                 <a:srgbClr val="FFFFFF"/>
               </a:solidFill>
+              <a:latin typeface="+mn-lt"/>
             </a:endParaRPr>
           </a:p>
         </p:txBody>
@@ -21692,7 +21559,7 @@
           <a:lstStyle/>
           <a:p>
             <a:pPr algn="ctr"/>
-            <a:endParaRPr lang="en-US"/>
+            <a:endParaRPr lang="en-US" dirty="0"/>
           </a:p>
         </p:txBody>
       </p:sp>
@@ -21827,7 +21694,7 @@
           <a:lstStyle/>
           <a:p>
             <a:pPr algn="ctr"/>
-            <a:endParaRPr lang="en-US"/>
+            <a:endParaRPr lang="en-US" dirty="0"/>
           </a:p>
         </p:txBody>
       </p:sp>
@@ -21861,17 +21728,19 @@
           <a:p>
             <a:pPr algn="ctr"/>
             <a:r>
-              <a:rPr lang="en-US" sz="3000" b="1">
+              <a:rPr lang="en-US" sz="3000" b="1" dirty="0">
                 <a:solidFill>
                   <a:srgbClr val="FFFFFF"/>
                 </a:solidFill>
+                <a:latin typeface="+mn-lt"/>
               </a:rPr>
               <a:t>Compering Results of Methods to Find the Optimal Number of Cluster Model</a:t>
             </a:r>
-            <a:endParaRPr lang="en-US" sz="3000">
+            <a:endParaRPr lang="en-US" sz="3000" dirty="0">
               <a:solidFill>
                 <a:srgbClr val="FFFFFF"/>
               </a:solidFill>
+              <a:latin typeface="+mn-lt"/>
             </a:endParaRPr>
           </a:p>
         </p:txBody>
@@ -22034,8 +21903,8 @@
         </p:blipFill>
         <p:spPr>
           <a:xfrm>
-            <a:off x="6404516" y="2770909"/>
-            <a:ext cx="5455917" cy="2937164"/>
+            <a:off x="6211959" y="2770909"/>
+            <a:ext cx="5546025" cy="3043482"/>
           </a:xfrm>
           <a:prstGeom prst="rect">
             <a:avLst/>
@@ -22136,7 +22005,7 @@
           <a:lstStyle/>
           <a:p>
             <a:pPr algn="ctr"/>
-            <a:endParaRPr lang="en-US"/>
+            <a:endParaRPr lang="en-US" dirty="0"/>
           </a:p>
         </p:txBody>
       </p:sp>
@@ -22199,7 +22068,7 @@
           <a:lstStyle/>
           <a:p>
             <a:pPr algn="ctr"/>
-            <a:endParaRPr lang="en-US"/>
+            <a:endParaRPr lang="en-US" dirty="0"/>
           </a:p>
         </p:txBody>
       </p:sp>
@@ -22232,21 +22101,20 @@
           <a:lstStyle/>
           <a:p>
             <a:r>
-              <a:rPr lang="en-US" b="1">
+              <a:rPr lang="en-US" b="1" dirty="0">
                 <a:solidFill>
                   <a:srgbClr val="FFFFFF"/>
                 </a:solidFill>
+                <a:latin typeface="+mn-lt"/>
               </a:rPr>
-              <a:t>Results of Comparing Mrthods</a:t>
+              <a:t>Results of Comparing Methods</a:t>
             </a:r>
-            <a:r>
-              <a:rPr lang="en-US">
-                <a:solidFill>
-                  <a:srgbClr val="FFFFFF"/>
-                </a:solidFill>
-              </a:rPr>
-              <a:t>:</a:t>
-            </a:r>
+            <a:endParaRPr lang="en-US" dirty="0">
+              <a:solidFill>
+                <a:srgbClr val="FFFFFF"/>
+              </a:solidFill>
+              <a:latin typeface="+mn-lt"/>
+            </a:endParaRPr>
           </a:p>
         </p:txBody>
       </p:sp>
@@ -22343,7 +22211,7 @@
               <a:rPr lang="en-US" b="1" dirty="0">
                 <a:latin typeface="+mj-lt"/>
               </a:rPr>
-              <a:t>Evaluating model with the highest silhouette score metric to choose the best method does not seem a suitable one for DBSCAN model even with a high score.</a:t>
+              <a:t>Evaluating model with the highest silhouette score metric to choose the best method does not seem suitable for DBSCAN model even with a high score.</a:t>
             </a:r>
           </a:p>
           <a:p>
@@ -22359,19 +22227,7 @@
               <a:rPr lang="en-US" b="1" dirty="0">
                 <a:latin typeface="+mj-lt"/>
               </a:rPr>
-              <a:t>The Second Highest Silhouette Score is for </a:t>
-            </a:r>
-            <a:r>
-              <a:rPr lang="en-US" b="1" dirty="0" err="1">
-                <a:latin typeface="+mj-lt"/>
-              </a:rPr>
-              <a:t>Kmeans</a:t>
-            </a:r>
-            <a:r>
-              <a:rPr lang="en-US" b="1" dirty="0">
-                <a:latin typeface="+mj-lt"/>
-              </a:rPr>
-              <a:t> and GMM.</a:t>
+              <a:t>The Second Highest Silhouette Score is for Kmeans and GMM.</a:t>
             </a:r>
           </a:p>
         </p:txBody>
@@ -22439,37 +22295,15 @@
           <a:p>
             <a:pPr algn="ctr"/>
             <a:r>
-              <a:rPr lang="en-US" sz="4000" b="1" kern="1200" dirty="0">
+              <a:rPr lang="en-US" sz="3200" b="1" kern="1200" dirty="0">
                 <a:solidFill>
                   <a:schemeClr val="tx1"/>
                 </a:solidFill>
-                <a:latin typeface="+mj-lt"/>
+                <a:latin typeface="+mn-lt"/>
                 <a:ea typeface="+mj-ea"/>
                 <a:cs typeface="+mj-cs"/>
               </a:rPr>
-              <a:t>Comparing </a:t>
-            </a:r>
-            <a:r>
-              <a:rPr lang="en-US" sz="4000" b="1" kern="1200" dirty="0" err="1">
-                <a:solidFill>
-                  <a:schemeClr val="tx1"/>
-                </a:solidFill>
-                <a:latin typeface="+mj-lt"/>
-                <a:ea typeface="+mj-ea"/>
-                <a:cs typeface="+mj-cs"/>
-              </a:rPr>
-              <a:t>Kmeans</a:t>
-            </a:r>
-            <a:r>
-              <a:rPr lang="en-US" sz="4000" b="1" kern="1200" dirty="0">
-                <a:solidFill>
-                  <a:schemeClr val="tx1"/>
-                </a:solidFill>
-                <a:latin typeface="+mj-lt"/>
-                <a:ea typeface="+mj-ea"/>
-                <a:cs typeface="+mj-cs"/>
-              </a:rPr>
-              <a:t> and GMM Clustering method in terms of Customer Distribution per Cluster:</a:t>
+              <a:t>Comparing Kmeans And GMM Clustering Method In Terms Of Customer Distribution Per Cluster:</a:t>
             </a:r>
           </a:p>
         </p:txBody>
@@ -22503,7 +22337,7 @@
           <a:lstStyle/>
           <a:p>
             <a:r>
-              <a:rPr lang="en-US" sz="3200" dirty="0" err="1"/>
+              <a:rPr lang="en-US" sz="3200" dirty="0"/>
               <a:t>Kmeans</a:t>
             </a:r>
             <a:r>
@@ -22763,7 +22597,7 @@
           <a:lstStyle/>
           <a:p>
             <a:pPr algn="ctr"/>
-            <a:endParaRPr lang="en-US"/>
+            <a:endParaRPr lang="en-US" dirty="0"/>
           </a:p>
         </p:txBody>
       </p:sp>
@@ -22797,20 +22631,13 @@
           <a:p>
             <a:pPr algn="ctr"/>
             <a:r>
-              <a:rPr lang="en-US" sz="5400" dirty="0" err="1">
+              <a:rPr lang="en-US" sz="4000" b="1" dirty="0">
                 <a:solidFill>
                   <a:srgbClr val="FFFFFF"/>
                 </a:solidFill>
+                <a:latin typeface="+mn-lt"/>
               </a:rPr>
-              <a:t>Kmeans</a:t>
-            </a:r>
-            <a:r>
-              <a:rPr lang="en-US" sz="5400" dirty="0">
-                <a:solidFill>
-                  <a:srgbClr val="FFFFFF"/>
-                </a:solidFill>
-              </a:rPr>
-              <a:t> Clustering  Interpretation</a:t>
+              <a:t>Kmeans Clustering  Interpretation</a:t>
             </a:r>
           </a:p>
         </p:txBody>
@@ -23067,7 +22894,7 @@
         </p:nvSpPr>
         <p:spPr>
           <a:xfrm>
-            <a:off x="1136428" y="627564"/>
+            <a:off x="707582" y="720720"/>
             <a:ext cx="7474172" cy="1325563"/>
           </a:xfrm>
         </p:spPr>
@@ -23078,12 +22905,10 @@
           <a:lstStyle/>
           <a:p>
             <a:r>
-              <a:rPr lang="en-US" b="1" err="1"/>
-              <a:t>Kmeans</a:t>
-            </a:r>
-            <a:r>
-              <a:rPr lang="en-US" b="1"/>
-              <a:t> Clustering Results:</a:t>
+              <a:rPr lang="en-US" sz="4000" b="1" dirty="0">
+                <a:latin typeface="+mn-lt"/>
+              </a:rPr>
+              <a:t>Kmeans Clustering Results:</a:t>
             </a:r>
           </a:p>
         </p:txBody>
@@ -23106,8 +22931,8 @@
         </p:nvSpPr>
         <p:spPr>
           <a:xfrm>
-            <a:off x="707582" y="2023885"/>
-            <a:ext cx="7870372" cy="3450613"/>
+            <a:off x="707582" y="1566685"/>
+            <a:ext cx="7870372" cy="4227828"/>
           </a:xfrm>
         </p:spPr>
         <p:txBody>
@@ -23116,45 +22941,38 @@
           </a:bodyPr>
           <a:lstStyle/>
           <a:p>
-            <a:pPr marL="0" indent="0" algn="just">
+            <a:pPr marL="0" indent="0">
               <a:buNone/>
             </a:pPr>
             <a:r>
-              <a:rPr lang="en-US" sz="1700" dirty="0"/>
-              <a:t>According to the results:</a:t>
+              <a:rPr lang="en-US" sz="2400" dirty="0"/>
+              <a:t>Based on the results:</a:t>
             </a:r>
           </a:p>
           <a:p>
-            <a:pPr algn="just"/>
             <a:r>
-              <a:rPr lang="en-US" sz="1700" b="1" dirty="0"/>
-              <a:t>Cluster 0:  </a:t>
+              <a:rPr lang="en-US" sz="2400" b="1" u="sng" dirty="0"/>
+              <a:t>Cluster 0:</a:t>
             </a:r>
             <a:r>
-              <a:rPr lang="en-US" sz="1700" dirty="0"/>
-              <a:t>Indicates a group of customers who have a higher BALANCE and CASH_ADVANCE with low PURCHASES and PURCHASES_FREQUENCY. We can assume that these customers with least usage of credit card. The number of customers in this cluster is a bit higher.</a:t>
+              <a:rPr lang="en-US" sz="2400" b="1" dirty="0"/>
+              <a:t>  </a:t>
             </a:r>
-            <a:endParaRPr lang="en-US" sz="1700" b="1" dirty="0"/>
+            <a:r>
+              <a:rPr lang="en-US" sz="2400" dirty="0"/>
+              <a:t>Indicates a group of customers who have a higher BALANCE and CASH_ADVANCE with low PURCHASES and PURCHASES_FREQUENCY. These customers have the least credit card usage and their number is slightly higher than the other cluster. </a:t>
+            </a:r>
+            <a:endParaRPr lang="en-US" sz="2400" b="1" dirty="0"/>
           </a:p>
           <a:p>
-            <a:pPr algn="just"/>
             <a:r>
-              <a:rPr lang="en-US" sz="1700" b="1" dirty="0"/>
+              <a:rPr lang="en-US" sz="2400" b="1" u="sng" dirty="0"/>
               <a:t>Cluster 1:</a:t>
             </a:r>
             <a:r>
-              <a:rPr lang="en-US" sz="1700" dirty="0"/>
-              <a:t> Indicates a group of customers who have high PURCHASES and PURCHASES_FREQUENCY . We can assume that these customers with more usage of credit card and makes more frequent purchases.</a:t>
+              <a:rPr lang="en-US" sz="2400" dirty="0"/>
+              <a:t> Indicates a group of customers who have high PURCHASES and PURCHASES_FREQUENCY. These  customers have more credit card usage and make more frequent purchases.</a:t>
             </a:r>
-          </a:p>
-          <a:p>
-            <a:pPr marL="0" indent="0" algn="just">
-              <a:buNone/>
-            </a:pPr>
-            <a:br>
-              <a:rPr lang="en-US" sz="1700" dirty="0"/>
-            </a:br>
-            <a:endParaRPr lang="en-US" sz="1700" dirty="0"/>
           </a:p>
         </p:txBody>
       </p:sp>
@@ -23217,7 +23035,7 @@
           <a:lstStyle/>
           <a:p>
             <a:pPr algn="ctr"/>
-            <a:endParaRPr lang="en-US"/>
+            <a:endParaRPr lang="en-US" dirty="0"/>
           </a:p>
         </p:txBody>
       </p:sp>
@@ -23282,7 +23100,7 @@
           <a:lstStyle/>
           <a:p>
             <a:pPr algn="ctr"/>
-            <a:endParaRPr lang="en-US"/>
+            <a:endParaRPr lang="en-US" dirty="0"/>
           </a:p>
         </p:txBody>
       </p:sp>
@@ -23476,7 +23294,7 @@
           <a:lstStyle/>
           <a:p>
             <a:pPr algn="ctr"/>
-            <a:endParaRPr lang="en-US"/>
+            <a:endParaRPr lang="en-US" dirty="0"/>
           </a:p>
         </p:txBody>
       </p:sp>
@@ -23498,7 +23316,7 @@
         </p:nvSpPr>
         <p:spPr>
           <a:xfrm>
-            <a:off x="527538" y="4756638"/>
+            <a:off x="526073" y="4644154"/>
             <a:ext cx="11139854" cy="930447"/>
           </a:xfrm>
         </p:spPr>
@@ -23510,10 +23328,11 @@
           <a:p>
             <a:pPr algn="ctr"/>
             <a:r>
-              <a:rPr lang="en-US" sz="5400" dirty="0">
+              <a:rPr lang="en-US" sz="3600" b="1" dirty="0">
                 <a:solidFill>
                   <a:srgbClr val="FFFFFF"/>
                 </a:solidFill>
+                <a:latin typeface="+mn-lt"/>
               </a:rPr>
               <a:t>GMM Clustering  Interpretation</a:t>
             </a:r>
@@ -23772,7 +23591,7 @@
         </p:nvSpPr>
         <p:spPr>
           <a:xfrm>
-            <a:off x="1136428" y="627564"/>
+            <a:off x="450628" y="895921"/>
             <a:ext cx="7474172" cy="1325563"/>
           </a:xfrm>
         </p:spPr>
@@ -23783,7 +23602,7 @@
           <a:lstStyle/>
           <a:p>
             <a:r>
-              <a:rPr lang="en-US" b="1" dirty="0"/>
+              <a:rPr lang="en-US" sz="4000" b="1" dirty="0"/>
               <a:t>GMM Clustering Result:</a:t>
             </a:r>
           </a:p>
@@ -23808,7 +23627,7 @@
         <p:spPr>
           <a:xfrm>
             <a:off x="325504" y="1953127"/>
-            <a:ext cx="8589896" cy="3749030"/>
+            <a:ext cx="8589896" cy="4248890"/>
           </a:xfrm>
         </p:spPr>
         <p:txBody>
@@ -23818,36 +23637,34 @@
           <a:lstStyle/>
           <a:p>
             <a:r>
-              <a:rPr lang="en-US" sz="2000" b="1" dirty="0">
-                <a:latin typeface="+mj-lt"/>
-              </a:rPr>
-              <a:t>Cluster 0: </a:t>
+              <a:rPr lang="en-US" sz="2400" b="1" u="sng" dirty="0"/>
+              <a:t>Cluster 0:</a:t>
             </a:r>
             <a:r>
-              <a:rPr lang="en-US" sz="2000" dirty="0">
-                <a:latin typeface="+mj-lt"/>
-              </a:rPr>
-              <a:t>Indicates a group of customers who have a low BALANCE and CASH_ADVANCE with high CREDIT_LIMIT, PURCHASES. We can assume that these customers with high usage of credit card. The number of customers in this cluster is a bit higher, which is good.</a:t>
+              <a:rPr lang="en-US" sz="2400" b="1" dirty="0"/>
+              <a:t> </a:t>
+            </a:r>
+            <a:r>
+              <a:rPr lang="en-US" sz="2400" dirty="0"/>
+              <a:t>Indicates a group of customers who have a low BALANCE and CASH_ADVANCE with high CREDIT_LIMIT, PURCHASES. These customers have high credit card usage. The number of customers in this cluster is slightly higher. </a:t>
             </a:r>
           </a:p>
           <a:p>
             <a:r>
-              <a:rPr lang="en-US" sz="2000" b="1" dirty="0">
-                <a:latin typeface="+mj-lt"/>
-              </a:rPr>
-              <a:t>Cluster 1: </a:t>
+              <a:rPr lang="en-US" sz="2400" b="1" u="sng" dirty="0"/>
+              <a:t>Cluster 1:</a:t>
             </a:r>
             <a:r>
-              <a:rPr lang="en-US" sz="2000" dirty="0">
-                <a:latin typeface="+mj-lt"/>
-              </a:rPr>
-              <a:t>Indicates a group of customers who have a high BALANCE and CASH_ADVANCE with low PURCHASES and PURCHASES_FREQUENCY. We can assume that these customers with least usage of credit card. The number of customers in this cluster is a lower.</a:t>
+              <a:rPr lang="en-US" sz="2400" b="1" dirty="0"/>
+              <a:t> </a:t>
+            </a:r>
+            <a:r>
+              <a:rPr lang="en-US" sz="2400" dirty="0"/>
+              <a:t>Indicates a group of customers who have a high BALANCE and CASH_ADVANCE with low PURCHASES and PURCHASES_FREQUENCY.  These customers have less usage of their credit card and their number lower.</a:t>
             </a:r>
           </a:p>
           <a:p>
-            <a:endParaRPr lang="en-US" sz="1700" dirty="0">
-              <a:latin typeface="+mj-lt"/>
-            </a:endParaRPr>
+            <a:endParaRPr lang="en-US" sz="1800" dirty="0"/>
           </a:p>
         </p:txBody>
       </p:sp>
@@ -23910,7 +23727,7 @@
           <a:lstStyle/>
           <a:p>
             <a:pPr algn="ctr"/>
-            <a:endParaRPr lang="en-US"/>
+            <a:endParaRPr lang="en-US" dirty="0"/>
           </a:p>
         </p:txBody>
       </p:sp>
@@ -23975,7 +23792,7 @@
           <a:lstStyle/>
           <a:p>
             <a:pPr algn="ctr"/>
-            <a:endParaRPr lang="en-US"/>
+            <a:endParaRPr lang="en-US" dirty="0"/>
           </a:p>
         </p:txBody>
       </p:sp>
@@ -24131,7 +23948,7 @@
               <a:tabLst/>
               <a:defRPr/>
             </a:pPr>
-            <a:endParaRPr kumimoji="0" lang="en-US" sz="1800" b="0" i="0" u="none" strike="noStrike" kern="1200" cap="none" spc="0" normalizeH="0" baseline="0" noProof="0">
+            <a:endParaRPr kumimoji="0" lang="en-US" sz="1800" b="0" i="0" u="none" strike="noStrike" kern="1200" cap="none" spc="0" normalizeH="0" baseline="0" noProof="0" dirty="0">
               <a:ln>
                 <a:noFill/>
               </a:ln>
@@ -24189,11 +24006,11 @@
           <a:p>
             <a:pPr algn="ctr"/>
             <a:r>
-              <a:rPr lang="en-US" sz="2000" b="1" kern="1200">
+              <a:rPr lang="en-US" sz="2000" b="1" kern="1200" dirty="0">
                 <a:solidFill>
                   <a:srgbClr val="FFFFFF"/>
                 </a:solidFill>
-                <a:latin typeface="+mj-lt"/>
+                <a:latin typeface="+mn-lt"/>
                 <a:ea typeface="+mj-ea"/>
                 <a:cs typeface="+mj-cs"/>
               </a:rPr>
@@ -24271,15 +24088,7 @@
             </a:pPr>
             <a:r>
               <a:rPr lang="en-US" sz="2000" dirty="0"/>
-              <a:t>Time Elapsed in GMM method is much less than </a:t>
-            </a:r>
-            <a:r>
-              <a:rPr lang="en-US" sz="2000" dirty="0" err="1"/>
-              <a:t>kmeans</a:t>
-            </a:r>
-            <a:r>
-              <a:rPr lang="en-US" sz="2000" dirty="0"/>
-              <a:t> method. </a:t>
+              <a:t>Time Elapsed in GMM method is much less than kmeans method. </a:t>
             </a:r>
           </a:p>
         </p:txBody>
@@ -24394,7 +24203,7 @@
               <a:tabLst/>
               <a:defRPr/>
             </a:pPr>
-            <a:endParaRPr kumimoji="0" lang="en-US" sz="1800" b="0" i="0" u="none" strike="noStrike" kern="1200" cap="none" spc="0" normalizeH="0" baseline="0" noProof="0">
+            <a:endParaRPr kumimoji="0" lang="en-US" sz="1800" b="0" i="0" u="none" strike="noStrike" kern="1200" cap="none" spc="0" normalizeH="0" baseline="0" noProof="0" dirty="0">
               <a:ln>
                 <a:noFill/>
               </a:ln>
@@ -24470,7 +24279,7 @@
                 <a:ea typeface="+mj-ea"/>
                 <a:cs typeface="+mj-cs"/>
               </a:rPr>
-              <a:t>Analysis(EDA)</a:t>
+              <a:t>Analysis (EDA)</a:t>
             </a:r>
           </a:p>
         </p:txBody>
@@ -24550,7 +24359,7 @@
               <a:tabLst/>
               <a:defRPr/>
             </a:pPr>
-            <a:endParaRPr kumimoji="0" lang="en-US" sz="1800" b="0" i="0" u="none" strike="noStrike" kern="1200" cap="none" spc="0" normalizeH="0" baseline="0" noProof="0">
+            <a:endParaRPr kumimoji="0" lang="en-US" sz="1800" b="0" i="0" u="none" strike="noStrike" kern="1200" cap="none" spc="0" normalizeH="0" baseline="0" noProof="0" dirty="0">
               <a:ln>
                 <a:noFill/>
               </a:ln>
@@ -24642,7 +24451,7 @@
               <a:tabLst/>
               <a:defRPr/>
             </a:pPr>
-            <a:endParaRPr kumimoji="0" lang="en-US" sz="1800" b="0" i="0" u="none" strike="noStrike" kern="1200" cap="none" spc="0" normalizeH="0" baseline="0" noProof="0">
+            <a:endParaRPr kumimoji="0" lang="en-US" sz="1800" b="0" i="0" u="none" strike="noStrike" kern="1200" cap="none" spc="0" normalizeH="0" baseline="0" noProof="0" dirty="0">
               <a:ln>
                 <a:noFill/>
               </a:ln>
@@ -24734,7 +24543,7 @@
               <a:tabLst/>
               <a:defRPr/>
             </a:pPr>
-            <a:endParaRPr kumimoji="0" lang="en-US" sz="1800" b="0" i="0" u="none" strike="noStrike" kern="1200" cap="none" spc="0" normalizeH="0" baseline="0" noProof="0">
+            <a:endParaRPr kumimoji="0" lang="en-US" sz="1800" b="0" i="0" u="none" strike="noStrike" kern="1200" cap="none" spc="0" normalizeH="0" baseline="0" noProof="0" dirty="0">
               <a:ln>
                 <a:noFill/>
               </a:ln>
@@ -24889,7 +24698,7 @@
               <a:tabLst/>
               <a:defRPr/>
             </a:pPr>
-            <a:endParaRPr kumimoji="0" lang="en-US" sz="1800" b="0" i="0" u="none" strike="noStrike" kern="1200" cap="none" spc="0" normalizeH="0" baseline="0" noProof="0">
+            <a:endParaRPr kumimoji="0" lang="en-US" sz="1800" b="0" i="0" u="none" strike="noStrike" kern="1200" cap="none" spc="0" normalizeH="0" baseline="0" noProof="0" dirty="0">
               <a:ln>
                 <a:noFill/>
               </a:ln>
@@ -25025,8 +24834,12 @@
           <a:lstStyle/>
           <a:p>
             <a:r>
+              <a:rPr lang="en-US" b="1" u="sng" dirty="0"/>
+              <a:t>Conclusion</a:t>
+            </a:r>
+            <a:r>
               <a:rPr lang="en-US" b="1" dirty="0"/>
-              <a:t>Conclusion:</a:t>
+              <a:t>:</a:t>
             </a:r>
           </a:p>
         </p:txBody>
@@ -25049,13 +24862,13 @@
         </p:nvSpPr>
         <p:spPr>
           <a:xfrm>
-            <a:off x="349321" y="1037689"/>
-            <a:ext cx="8566079" cy="5589141"/>
+            <a:off x="349321" y="715617"/>
+            <a:ext cx="8566079" cy="6142383"/>
           </a:xfrm>
         </p:spPr>
         <p:txBody>
           <a:bodyPr anchor="ctr">
-            <a:normAutofit fontScale="85000" lnSpcReduction="10000"/>
+            <a:normAutofit/>
           </a:bodyPr>
           <a:lstStyle/>
           <a:p>
@@ -25064,19 +24877,11 @@
                 <a:spcPct val="120000"/>
               </a:lnSpc>
               <a:buFont typeface="Wingdings" panose="05000000000000000000" pitchFamily="2" charset="2"/>
-              <a:buChar char="§"/>
+              <a:buChar char="v"/>
             </a:pPr>
             <a:r>
-              <a:rPr lang="en-US" sz="2000" dirty="0"/>
-              <a:t>I chose the GMM model  in contrast with </a:t>
-            </a:r>
-            <a:r>
-              <a:rPr lang="en-US" sz="2000" dirty="0" err="1"/>
-              <a:t>Kmeans</a:t>
-            </a:r>
-            <a:r>
-              <a:rPr lang="en-US" sz="2000" dirty="0"/>
-              <a:t>. </a:t>
+              <a:rPr lang="en-US" sz="1600" dirty="0"/>
+              <a:t>I chose the GMM model  in contrast with Kmeans. </a:t>
             </a:r>
           </a:p>
           <a:p>
@@ -25084,6 +24889,9 @@
               <a:lnSpc>
                 <a:spcPct val="120000"/>
               </a:lnSpc>
+              <a:spcBef>
+                <a:spcPts val="0"/>
+              </a:spcBef>
             </a:pPr>
             <a:r>
               <a:rPr lang="en-US" sz="1600" dirty="0"/>
@@ -25095,6 +24903,9 @@
               <a:lnSpc>
                 <a:spcPct val="120000"/>
               </a:lnSpc>
+              <a:spcBef>
+                <a:spcPts val="0"/>
+              </a:spcBef>
             </a:pPr>
             <a:r>
               <a:rPr lang="en-US" sz="1600" dirty="0"/>
@@ -25107,11 +24918,11 @@
                 <a:spcPct val="120000"/>
               </a:lnSpc>
               <a:buFont typeface="Wingdings" panose="05000000000000000000" pitchFamily="2" charset="2"/>
-              <a:buChar char="§"/>
+              <a:buChar char="v"/>
             </a:pPr>
             <a:r>
-              <a:rPr lang="en-US" sz="2000" dirty="0"/>
-              <a:t>GMM models have a better understanding of customer segmentation by using the 2 clusters model:</a:t>
+              <a:rPr lang="en-US" sz="1600" dirty="0"/>
+              <a:t>GMM models provide better customer segmentation understanding by using the 2 clusters model:</a:t>
             </a:r>
           </a:p>
           <a:p>
@@ -25121,11 +24932,11 @@
               </a:lnSpc>
             </a:pPr>
             <a:r>
-              <a:rPr lang="en-US" sz="2000" b="1" dirty="0"/>
+              <a:rPr lang="en-US" sz="1600" b="1" u="sng" dirty="0"/>
               <a:t>Cluster 0:</a:t>
             </a:r>
             <a:r>
-              <a:rPr lang="en-US" sz="2000" dirty="0"/>
+              <a:rPr lang="en-US" sz="1600" u="sng" dirty="0"/>
               <a:t> </a:t>
             </a:r>
           </a:p>
@@ -25134,10 +24945,13 @@
               <a:lnSpc>
                 <a:spcPct val="120000"/>
               </a:lnSpc>
+              <a:spcBef>
+                <a:spcPts val="0"/>
+              </a:spcBef>
             </a:pPr>
             <a:r>
               <a:rPr lang="en-US" sz="1600" dirty="0"/>
-              <a:t>Indicates a group of customers who have a low BALANCE and CASH_ADVANCE with high PURCHASES. </a:t>
+              <a:t>The group of customers with low BALANCE &amp; CASH_ADVANCE with high PURCHASES. </a:t>
             </a:r>
           </a:p>
           <a:p>
@@ -25145,10 +24959,13 @@
               <a:lnSpc>
                 <a:spcPct val="120000"/>
               </a:lnSpc>
+              <a:spcBef>
+                <a:spcPts val="0"/>
+              </a:spcBef>
             </a:pPr>
             <a:r>
               <a:rPr lang="en-US" sz="1600" dirty="0"/>
-              <a:t>We can assume that these customers with high usage of credit card. </a:t>
+              <a:t>These customers have high credit card usage. </a:t>
             </a:r>
           </a:p>
           <a:p>
@@ -25156,10 +24973,13 @@
               <a:lnSpc>
                 <a:spcPct val="120000"/>
               </a:lnSpc>
+              <a:spcBef>
+                <a:spcPts val="0"/>
+              </a:spcBef>
             </a:pPr>
             <a:r>
               <a:rPr lang="en-US" sz="1600" dirty="0"/>
-              <a:t>The number of customers in this cluster is a bit higher. </a:t>
+              <a:t>The number of customers in this cluster is slightly higher. </a:t>
             </a:r>
           </a:p>
           <a:p>
@@ -25167,6 +24987,9 @@
               <a:lnSpc>
                 <a:spcPct val="120000"/>
               </a:lnSpc>
+              <a:spcBef>
+                <a:spcPts val="0"/>
+              </a:spcBef>
             </a:pPr>
             <a:r>
               <a:rPr lang="en-US" sz="1600" dirty="0"/>
@@ -25180,7 +25003,7 @@
               </a:lnSpc>
             </a:pPr>
             <a:r>
-              <a:rPr lang="en-US" sz="2000" b="1" dirty="0"/>
+              <a:rPr lang="en-US" sz="1600" b="1" u="sng" dirty="0"/>
               <a:t>Cluster 1:</a:t>
             </a:r>
           </a:p>
@@ -25189,10 +25012,13 @@
               <a:lnSpc>
                 <a:spcPct val="120000"/>
               </a:lnSpc>
+              <a:spcBef>
+                <a:spcPts val="0"/>
+              </a:spcBef>
             </a:pPr>
             <a:r>
               <a:rPr lang="en-US" sz="1600" dirty="0"/>
-              <a:t> Indicates a group of customers who have a high BALANCE and CASH_ADVANCE with low PURCHASES. </a:t>
+              <a:t>The group of customers with high BALANCE and CASH_ADVANCE with low PURCHASES. </a:t>
             </a:r>
           </a:p>
           <a:p>
@@ -25200,10 +25026,13 @@
               <a:lnSpc>
                 <a:spcPct val="120000"/>
               </a:lnSpc>
+              <a:spcBef>
+                <a:spcPts val="0"/>
+              </a:spcBef>
             </a:pPr>
             <a:r>
               <a:rPr lang="en-US" sz="1600" dirty="0"/>
-              <a:t>We can assume that these customers with the least usage of credit card. </a:t>
+              <a:t>These customers have the least credit card usage. </a:t>
             </a:r>
           </a:p>
           <a:p>
@@ -25211,10 +25040,13 @@
               <a:lnSpc>
                 <a:spcPct val="120000"/>
               </a:lnSpc>
+              <a:spcBef>
+                <a:spcPts val="0"/>
+              </a:spcBef>
             </a:pPr>
             <a:r>
               <a:rPr lang="en-US" sz="1600" dirty="0"/>
-              <a:t>The number of customers in this cluster is a bit lower. </a:t>
+              <a:t>The number of customers in this cluster lower. </a:t>
             </a:r>
           </a:p>
           <a:p>
@@ -25222,26 +25054,14 @@
               <a:lnSpc>
                 <a:spcPct val="120000"/>
               </a:lnSpc>
+              <a:spcBef>
+                <a:spcPts val="0"/>
+              </a:spcBef>
             </a:pPr>
             <a:r>
               <a:rPr lang="en-US" sz="1600" dirty="0"/>
-              <a:t>This group can be assumed for marketing strategies target, so we can use the behavior of clustering segmentation of </a:t>
+              <a:t>This group can be assumed for marketing strategies target. Behavior of clustering segmentation of Cluster 0 from marketing research can be used to encourage these customers for higher credit card usage.</a:t>
             </a:r>
-            <a:r>
-              <a:rPr lang="en-US" sz="1600" dirty="0" err="1"/>
-              <a:t>zore</a:t>
-            </a:r>
-            <a:r>
-              <a:rPr lang="en-US" sz="1600" dirty="0"/>
-              <a:t> from marketing research to encourage these customers for higher usage of credit card.</a:t>
-            </a:r>
-          </a:p>
-          <a:p>
-            <a:pPr>
-              <a:lnSpc>
-                <a:spcPct val="120000"/>
-              </a:lnSpc>
-            </a:pPr>
             <a:endParaRPr lang="en-US" sz="1000" dirty="0"/>
           </a:p>
         </p:txBody>
@@ -25305,7 +25125,7 @@
           <a:lstStyle/>
           <a:p>
             <a:pPr algn="ctr"/>
-            <a:endParaRPr lang="en-US"/>
+            <a:endParaRPr lang="en-US" dirty="0"/>
           </a:p>
         </p:txBody>
       </p:sp>
@@ -25370,7 +25190,7 @@
           <a:lstStyle/>
           <a:p>
             <a:pPr algn="ctr"/>
-            <a:endParaRPr lang="en-US"/>
+            <a:endParaRPr lang="en-US" dirty="0"/>
           </a:p>
         </p:txBody>
       </p:sp>
@@ -25512,7 +25332,7 @@
           <a:lstStyle/>
           <a:p>
             <a:pPr algn="ctr"/>
-            <a:endParaRPr lang="en-US"/>
+            <a:endParaRPr lang="en-US" dirty="0"/>
           </a:p>
         </p:txBody>
       </p:sp>
@@ -25546,7 +25366,7 @@
           <a:p>
             <a:pPr algn="r"/>
             <a:r>
-              <a:rPr lang="en-US" b="1">
+              <a:rPr lang="en-US" b="1" dirty="0">
                 <a:solidFill>
                   <a:schemeClr val="accent1"/>
                 </a:solidFill>
@@ -25744,7 +25564,7 @@
               <a:rPr lang="en-US" sz="4000" b="1" dirty="0">
                 <a:latin typeface="+mn-lt"/>
               </a:rPr>
-              <a:t>Data Cleaning Summary:</a:t>
+              <a:t>Data Cleaning Summary</a:t>
             </a:r>
           </a:p>
         </p:txBody>
@@ -25765,7 +25585,7 @@
             <p:ph idx="1"/>
             <p:extLst>
               <p:ext uri="{D42A27DB-BD31-4B8C-83A1-F6EECF244321}">
-                <p14:modId xmlns:p14="http://schemas.microsoft.com/office/powerpoint/2010/main" val="3018330280"/>
+                <p14:modId xmlns:p14="http://schemas.microsoft.com/office/powerpoint/2010/main" val="3683856336"/>
               </p:ext>
             </p:extLst>
           </p:nvPr>
@@ -25880,7 +25700,7 @@
           <a:lstStyle/>
           <a:p>
             <a:pPr algn="ctr"/>
-            <a:endParaRPr lang="en-US"/>
+            <a:endParaRPr lang="en-US" dirty="0"/>
           </a:p>
         </p:txBody>
       </p:sp>
@@ -25914,7 +25734,7 @@
           <a:lstStyle/>
           <a:p>
             <a:r>
-              <a:rPr lang="en-US" b="1">
+              <a:rPr lang="en-US" b="1" dirty="0">
                 <a:solidFill>
                   <a:schemeClr val="bg1"/>
                 </a:solidFill>
@@ -26052,7 +25872,7 @@
           <a:lstStyle/>
           <a:p>
             <a:pPr algn="ctr"/>
-            <a:endParaRPr lang="en-US"/>
+            <a:endParaRPr lang="en-US" dirty="0"/>
           </a:p>
         </p:txBody>
       </p:sp>
@@ -26115,7 +25935,7 @@
           <a:lstStyle/>
           <a:p>
             <a:pPr algn="ctr"/>
-            <a:endParaRPr lang="en-US"/>
+            <a:endParaRPr lang="en-US" dirty="0"/>
           </a:p>
         </p:txBody>
       </p:sp>
@@ -26297,7 +26117,7 @@
           <a:lstStyle/>
           <a:p>
             <a:pPr algn="ctr"/>
-            <a:endParaRPr lang="en-US"/>
+            <a:endParaRPr lang="en-US" dirty="0"/>
           </a:p>
         </p:txBody>
       </p:sp>
@@ -26319,8 +26139,8 @@
         </p:nvSpPr>
         <p:spPr>
           <a:xfrm>
-            <a:off x="1094095" y="851517"/>
-            <a:ext cx="5238466" cy="2991416"/>
+            <a:off x="897290" y="1427986"/>
+            <a:ext cx="3943066" cy="2991416"/>
           </a:xfrm>
         </p:spPr>
         <p:txBody>
@@ -26338,7 +26158,7 @@
                 <a:ea typeface="+mj-ea"/>
                 <a:cs typeface="+mj-cs"/>
               </a:rPr>
-              <a:t>Feature Engineering</a:t>
+              <a:t>FEATURE ENGINEERING</a:t>
             </a:r>
           </a:p>
         </p:txBody>
@@ -27113,7 +26933,7 @@
           <a:lstStyle/>
           <a:p>
             <a:pPr algn="ctr"/>
-            <a:endParaRPr lang="en-US"/>
+            <a:endParaRPr lang="en-US" dirty="0"/>
           </a:p>
         </p:txBody>
       </p:sp>
@@ -27217,7 +27037,7 @@
             <a:pPr algn="ctr"/>
             <a:r>
               <a:rPr lang="en-US" b="1" dirty="0"/>
-              <a:t>Visualize by using Dimensionality Reduction</a:t>
+              <a:t>Visualizing Using Dimensionality Reduction</a:t>
             </a:r>
             <a:br>
               <a:rPr lang="en-US" dirty="0"/>
